--- a/docs/apresentação tcc.pptx
+++ b/docs/apresentação tcc.pptx
@@ -7,6 +7,11 @@
   <p:sldIdLst>
     <p:sldId id="256" r:id="rId2"/>
     <p:sldId id="257" r:id="rId3"/>
+    <p:sldId id="269" r:id="rId4"/>
+    <p:sldId id="258" r:id="rId5"/>
+    <p:sldId id="268" r:id="rId6"/>
+    <p:sldId id="266" r:id="rId7"/>
+    <p:sldId id="267" r:id="rId8"/>
   </p:sldIdLst>
   <p:sldSz cx="12192000" cy="6858000"/>
   <p:notesSz cx="6858000" cy="9144000"/>
@@ -107,7 +112,7 @@
   </p:defaultTextStyle>
   <p:extLst>
     <p:ext uri="{EFAFB233-063F-42B5-8137-9DF3F51BA10A}">
-      <p15:sldGuideLst xmlns:p15="http://schemas.microsoft.com/office/powerpoint/2012/main" xmlns=""/>
+      <p15:sldGuideLst xmlns="" xmlns:p15="http://schemas.microsoft.com/office/powerpoint/2012/main"/>
     </p:ext>
   </p:extLst>
 </p:presentation>
@@ -142,7 +147,7 @@
           <a:blip r:embed="rId2">
             <a:extLst>
               <a:ext uri="{28A0092B-C50C-407E-A947-70E740481C1C}">
-                <a14:useLocalDpi xmlns:a14="http://schemas.microsoft.com/office/drawing/2010/main" xmlns="" val="0"/>
+                <a14:useLocalDpi xmlns="" xmlns:a14="http://schemas.microsoft.com/office/drawing/2010/main" val="0"/>
               </a:ext>
             </a:extLst>
           </a:blip>
@@ -284,7 +289,7 @@
             <a:fld id="{48A87A34-81AB-432B-8DAE-1953F412C126}" type="datetimeFigureOut">
               <a:rPr lang="en-US" dirty="0"/>
               <a:pPr/>
-              <a:t>11/26/2019</a:t>
+              <a:t>11/28/2019</a:t>
             </a:fld>
             <a:endParaRPr lang="en-US" dirty="0"/>
           </a:p>
@@ -548,7 +553,7 @@
             <a:fld id="{48A87A34-81AB-432B-8DAE-1953F412C126}" type="datetimeFigureOut">
               <a:rPr lang="en-US" dirty="0"/>
               <a:pPr/>
-              <a:t>11/26/2019</a:t>
+              <a:t>11/28/2019</a:t>
             </a:fld>
             <a:endParaRPr lang="en-US" dirty="0"/>
           </a:p>
@@ -634,7 +639,7 @@
           <a:blip r:embed="rId2">
             <a:extLst>
               <a:ext uri="{28A0092B-C50C-407E-A947-70E740481C1C}">
-                <a14:useLocalDpi xmlns:a14="http://schemas.microsoft.com/office/drawing/2010/main" xmlns="" val="0"/>
+                <a14:useLocalDpi xmlns="" xmlns:a14="http://schemas.microsoft.com/office/drawing/2010/main" val="0"/>
               </a:ext>
             </a:extLst>
           </a:blip>
@@ -776,7 +781,7 @@
             <a:fld id="{48A87A34-81AB-432B-8DAE-1953F412C126}" type="datetimeFigureOut">
               <a:rPr lang="en-US" dirty="0"/>
               <a:pPr/>
-              <a:t>11/26/2019</a:t>
+              <a:t>11/28/2019</a:t>
             </a:fld>
             <a:endParaRPr lang="en-US" dirty="0"/>
           </a:p>
@@ -872,7 +877,7 @@
           <a:blip r:embed="rId2">
             <a:extLst>
               <a:ext uri="{28A0092B-C50C-407E-A947-70E740481C1C}">
-                <a14:useLocalDpi xmlns:a14="http://schemas.microsoft.com/office/drawing/2010/main" xmlns="" val="0"/>
+                <a14:useLocalDpi xmlns="" xmlns:a14="http://schemas.microsoft.com/office/drawing/2010/main" val="0"/>
               </a:ext>
             </a:extLst>
           </a:blip>
@@ -1083,7 +1088,7 @@
             <a:fld id="{48A87A34-81AB-432B-8DAE-1953F412C126}" type="datetimeFigureOut">
               <a:rPr lang="en-US" dirty="0"/>
               <a:pPr/>
-              <a:t>11/26/2019</a:t>
+              <a:t>11/28/2019</a:t>
             </a:fld>
             <a:endParaRPr lang="en-US" dirty="0"/>
           </a:p>
@@ -1411,7 +1416,7 @@
           <a:blip r:embed="rId2">
             <a:extLst>
               <a:ext uri="{28A0092B-C50C-407E-A947-70E740481C1C}">
-                <a14:useLocalDpi xmlns:a14="http://schemas.microsoft.com/office/drawing/2010/main" xmlns="" val="0"/>
+                <a14:useLocalDpi xmlns="" xmlns:a14="http://schemas.microsoft.com/office/drawing/2010/main" val="0"/>
               </a:ext>
             </a:extLst>
           </a:blip>
@@ -1553,7 +1558,7 @@
             <a:fld id="{48A87A34-81AB-432B-8DAE-1953F412C126}" type="datetimeFigureOut">
               <a:rPr lang="en-US" dirty="0"/>
               <a:pPr/>
-              <a:t>11/26/2019</a:t>
+              <a:t>11/28/2019</a:t>
             </a:fld>
             <a:endParaRPr lang="en-US" dirty="0"/>
           </a:p>
@@ -2097,7 +2102,7 @@
             <a:fld id="{48A87A34-81AB-432B-8DAE-1953F412C126}" type="datetimeFigureOut">
               <a:rPr lang="en-US" dirty="0"/>
               <a:pPr/>
-              <a:t>11/26/2019</a:t>
+              <a:t>11/28/2019</a:t>
             </a:fld>
             <a:endParaRPr lang="en-US" dirty="0"/>
           </a:p>
@@ -2868,7 +2873,7 @@
             <a:fld id="{48A87A34-81AB-432B-8DAE-1953F412C126}" type="datetimeFigureOut">
               <a:rPr lang="en-US" dirty="0"/>
               <a:pPr/>
-              <a:t>11/26/2019</a:t>
+              <a:t>11/28/2019</a:t>
             </a:fld>
             <a:endParaRPr lang="en-US" dirty="0"/>
           </a:p>
@@ -3040,7 +3045,7 @@
             <a:fld id="{48A87A34-81AB-432B-8DAE-1953F412C126}" type="datetimeFigureOut">
               <a:rPr lang="en-US" dirty="0"/>
               <a:pPr/>
-              <a:t>11/26/2019</a:t>
+              <a:t>11/28/2019</a:t>
             </a:fld>
             <a:endParaRPr lang="en-US" dirty="0"/>
           </a:p>
@@ -3126,7 +3131,7 @@
           <a:blip r:embed="rId2">
             <a:extLst>
               <a:ext uri="{28A0092B-C50C-407E-A947-70E740481C1C}">
-                <a14:useLocalDpi xmlns:a14="http://schemas.microsoft.com/office/drawing/2010/main" xmlns="" val="0"/>
+                <a14:useLocalDpi xmlns="" xmlns:a14="http://schemas.microsoft.com/office/drawing/2010/main" val="0"/>
               </a:ext>
             </a:extLst>
           </a:blip>
@@ -3260,7 +3265,7 @@
             <a:fld id="{48A87A34-81AB-432B-8DAE-1953F412C126}" type="datetimeFigureOut">
               <a:rPr lang="en-US" dirty="0"/>
               <a:pPr/>
-              <a:t>11/26/2019</a:t>
+              <a:t>11/28/2019</a:t>
             </a:fld>
             <a:endParaRPr lang="en-US" dirty="0"/>
           </a:p>
@@ -3437,7 +3442,7 @@
             <a:fld id="{48A87A34-81AB-432B-8DAE-1953F412C126}" type="datetimeFigureOut">
               <a:rPr lang="en-US" dirty="0"/>
               <a:pPr/>
-              <a:t>11/26/2019</a:t>
+              <a:t>11/28/2019</a:t>
             </a:fld>
             <a:endParaRPr lang="en-US" dirty="0"/>
           </a:p>
@@ -3523,7 +3528,7 @@
           <a:blip r:embed="rId2">
             <a:extLst>
               <a:ext uri="{28A0092B-C50C-407E-A947-70E740481C1C}">
-                <a14:useLocalDpi xmlns:a14="http://schemas.microsoft.com/office/drawing/2010/main" xmlns="" val="0"/>
+                <a14:useLocalDpi xmlns="" xmlns:a14="http://schemas.microsoft.com/office/drawing/2010/main" val="0"/>
               </a:ext>
             </a:extLst>
           </a:blip>
@@ -3723,7 +3728,7 @@
             <a:fld id="{48A87A34-81AB-432B-8DAE-1953F412C126}" type="datetimeFigureOut">
               <a:rPr lang="en-US" dirty="0"/>
               <a:pPr/>
-              <a:t>11/26/2019</a:t>
+              <a:t>11/28/2019</a:t>
             </a:fld>
             <a:endParaRPr lang="en-US" dirty="0"/>
           </a:p>
@@ -3962,7 +3967,7 @@
             <a:fld id="{48A87A34-81AB-432B-8DAE-1953F412C126}" type="datetimeFigureOut">
               <a:rPr lang="en-US" dirty="0"/>
               <a:pPr/>
-              <a:t>11/26/2019</a:t>
+              <a:t>11/28/2019</a:t>
             </a:fld>
             <a:endParaRPr lang="en-US" dirty="0"/>
           </a:p>
@@ -4338,7 +4343,7 @@
             <a:fld id="{48A87A34-81AB-432B-8DAE-1953F412C126}" type="datetimeFigureOut">
               <a:rPr lang="en-US" dirty="0"/>
               <a:pPr/>
-              <a:t>11/26/2019</a:t>
+              <a:t>11/28/2019</a:t>
             </a:fld>
             <a:endParaRPr lang="en-US" dirty="0"/>
           </a:p>
@@ -4453,7 +4458,7 @@
             <a:fld id="{48A87A34-81AB-432B-8DAE-1953F412C126}" type="datetimeFigureOut">
               <a:rPr lang="en-US" dirty="0"/>
               <a:pPr/>
-              <a:t>11/26/2019</a:t>
+              <a:t>11/28/2019</a:t>
             </a:fld>
             <a:endParaRPr lang="en-US" dirty="0"/>
           </a:p>
@@ -4545,7 +4550,7 @@
             <a:fld id="{48A87A34-81AB-432B-8DAE-1953F412C126}" type="datetimeFigureOut">
               <a:rPr lang="en-US" dirty="0"/>
               <a:pPr/>
-              <a:t>11/26/2019</a:t>
+              <a:t>11/28/2019</a:t>
             </a:fld>
             <a:endParaRPr lang="en-US" dirty="0"/>
           </a:p>
@@ -4791,7 +4796,7 @@
             <a:fld id="{48A87A34-81AB-432B-8DAE-1953F412C126}" type="datetimeFigureOut">
               <a:rPr lang="en-US" dirty="0"/>
               <a:pPr/>
-              <a:t>11/26/2019</a:t>
+              <a:t>11/28/2019</a:t>
             </a:fld>
             <a:endParaRPr lang="en-US" dirty="0"/>
           </a:p>
@@ -5045,7 +5050,7 @@
             <a:fld id="{48A87A34-81AB-432B-8DAE-1953F412C126}" type="datetimeFigureOut">
               <a:rPr lang="en-US" dirty="0"/>
               <a:pPr/>
-              <a:t>11/26/2019</a:t>
+              <a:t>11/28/2019</a:t>
             </a:fld>
             <a:endParaRPr lang="en-US" dirty="0"/>
           </a:p>
@@ -5136,7 +5141,7 @@
           <a:blip r:embed="rId19">
             <a:extLst>
               <a:ext uri="{28A0092B-C50C-407E-A947-70E740481C1C}">
-                <a14:useLocalDpi xmlns:a14="http://schemas.microsoft.com/office/drawing/2010/main" xmlns="" val="0"/>
+                <a14:useLocalDpi xmlns="" xmlns:a14="http://schemas.microsoft.com/office/drawing/2010/main" val="0"/>
               </a:ext>
             </a:extLst>
           </a:blip>
@@ -5285,7 +5290,7 @@
             <a:fld id="{48A87A34-81AB-432B-8DAE-1953F412C126}" type="datetimeFigureOut">
               <a:rPr lang="en-US" dirty="0"/>
               <a:pPr/>
-              <a:t>11/26/2019</a:t>
+              <a:t>11/28/2019</a:t>
             </a:fld>
             <a:endParaRPr lang="en-US" dirty="0"/>
           </a:p>
@@ -5745,13 +5750,11 @@
             <a:pPr algn="ctr"/>
             <a:r>
               <a:rPr lang="en-US" dirty="0" smtClean="0">
-                <a:latin typeface="Roboto Cn" pitchFamily="2" charset="0"/>
                 <a:ea typeface="Roboto Cn" pitchFamily="2" charset="0"/>
               </a:rPr>
               <a:t>GALLERY SEARCH</a:t>
             </a:r>
             <a:endParaRPr lang="en-US" dirty="0">
-              <a:latin typeface="Roboto Cn" pitchFamily="2" charset="0"/>
               <a:ea typeface="Roboto Cn" pitchFamily="2" charset="0"/>
             </a:endParaRPr>
           </a:p>
@@ -5769,19 +5772,21 @@
         </p:nvSpPr>
         <p:spPr/>
         <p:txBody>
-          <a:bodyPr/>
+          <a:bodyPr>
+            <a:normAutofit/>
+          </a:bodyPr>
           <a:lstStyle/>
           <a:p>
             <a:pPr algn="ctr"/>
             <a:r>
-              <a:rPr lang="en-US" b="1" dirty="0" smtClean="0">
-                <a:latin typeface="Roboto Cn" pitchFamily="2" charset="0"/>
+              <a:rPr lang="en-US" sz="2800" b="1" dirty="0" smtClean="0">
+                <a:latin typeface="+mj-lt"/>
                 <a:ea typeface="Roboto Cn" pitchFamily="2" charset="0"/>
               </a:rPr>
               <a:t>COMPARTILHAR É PRECISO</a:t>
             </a:r>
-            <a:endParaRPr lang="en-US" b="1" dirty="0">
-              <a:latin typeface="Roboto Cn" pitchFamily="2" charset="0"/>
+            <a:endParaRPr lang="en-US" sz="2800" b="1" dirty="0">
+              <a:latin typeface="+mj-lt"/>
               <a:ea typeface="Roboto Cn" pitchFamily="2" charset="0"/>
             </a:endParaRPr>
           </a:p>
@@ -5790,7 +5795,7 @@
     </p:spTree>
     <p:extLst>
       <p:ext uri="{BB962C8B-B14F-4D97-AF65-F5344CB8AC3E}">
-        <p14:creationId xmlns:p14="http://schemas.microsoft.com/office/powerpoint/2010/main" xmlns="" val="3402371617"/>
+        <p14:creationId xmlns="" xmlns:p14="http://schemas.microsoft.com/office/powerpoint/2010/main" val="3402371617"/>
       </p:ext>
     </p:extLst>
   </p:cSld>
@@ -5898,14 +5903,745 @@
           <a:bodyPr/>
           <a:lstStyle/>
           <a:p>
-            <a:endParaRPr lang="pt-BR"/>
+            <a:pPr algn="ctr"/>
+            <a:r>
+              <a:rPr lang="pt-BR" dirty="0" smtClean="0"/>
+              <a:t>O IDEALIZADOR</a:t>
+            </a:r>
+            <a:endParaRPr lang="pt-BR" dirty="0"/>
           </a:p>
         </p:txBody>
       </p:sp>
     </p:spTree>
     <p:extLst>
       <p:ext uri="{BB962C8B-B14F-4D97-AF65-F5344CB8AC3E}">
-        <p14:creationId xmlns:p14="http://schemas.microsoft.com/office/powerpoint/2010/main" xmlns="" val="3402371617"/>
+        <p14:creationId xmlns="" xmlns:p14="http://schemas.microsoft.com/office/powerpoint/2010/main" val="3402371617"/>
+      </p:ext>
+    </p:extLst>
+  </p:cSld>
+  <p:clrMapOvr>
+    <a:masterClrMapping/>
+  </p:clrMapOvr>
+</p:sld>
+</file>
+
+<file path=ppt/slides/slide3.xml><?xml version="1.0" encoding="utf-8"?>
+<p:sld xmlns:a="http://schemas.openxmlformats.org/drawingml/2006/main" xmlns:r="http://schemas.openxmlformats.org/officeDocument/2006/relationships" xmlns:p="http://schemas.openxmlformats.org/presentationml/2006/main">
+  <p:cSld>
+    <p:spTree>
+      <p:nvGrpSpPr>
+        <p:cNvPr id="1" name=""/>
+        <p:cNvGrpSpPr/>
+        <p:nvPr/>
+      </p:nvGrpSpPr>
+      <p:grpSpPr>
+        <a:xfrm>
+          <a:off x="0" y="0"/>
+          <a:ext cx="0" cy="0"/>
+          <a:chOff x="0" y="0"/>
+          <a:chExt cx="0" cy="0"/>
+        </a:xfrm>
+      </p:grpSpPr>
+      <p:pic>
+        <p:nvPicPr>
+          <p:cNvPr id="4" name="Imagem 3" descr="Logo Gallery Search cor.png"/>
+          <p:cNvPicPr>
+            <a:picLocks noChangeAspect="1"/>
+          </p:cNvPicPr>
+          <p:nvPr/>
+        </p:nvPicPr>
+        <p:blipFill>
+          <a:blip r:embed="rId2">
+            <a:lum/>
+          </a:blip>
+          <a:stretch>
+            <a:fillRect/>
+          </a:stretch>
+        </p:blipFill>
+        <p:spPr>
+          <a:xfrm>
+            <a:off x="10700658" y="5366658"/>
+            <a:ext cx="1491342" cy="1491342"/>
+          </a:xfrm>
+          <a:prstGeom prst="rect">
+            <a:avLst/>
+          </a:prstGeom>
+          <a:noFill/>
+        </p:spPr>
+      </p:pic>
+      <p:sp>
+        <p:nvSpPr>
+          <p:cNvPr id="5" name="CaixaDeTexto 4"/>
+          <p:cNvSpPr txBox="1"/>
+          <p:nvPr/>
+        </p:nvSpPr>
+        <p:spPr>
+          <a:xfrm>
+            <a:off x="11190514" y="5932714"/>
+            <a:ext cx="533400" cy="369332"/>
+          </a:xfrm>
+          <a:prstGeom prst="rect">
+            <a:avLst/>
+          </a:prstGeom>
+          <a:noFill/>
+        </p:spPr>
+        <p:txBody>
+          <a:bodyPr wrap="square" rtlCol="0">
+            <a:spAutoFit/>
+          </a:bodyPr>
+          <a:lstStyle/>
+          <a:p>
+            <a:pPr algn="ctr"/>
+            <a:r>
+              <a:rPr lang="pt-BR" b="1" dirty="0" smtClean="0">
+                <a:solidFill>
+                  <a:schemeClr val="bg1"/>
+                </a:solidFill>
+              </a:rPr>
+              <a:t>2</a:t>
+            </a:r>
+            <a:endParaRPr lang="pt-BR" b="1" dirty="0">
+              <a:solidFill>
+                <a:schemeClr val="bg1"/>
+              </a:solidFill>
+            </a:endParaRPr>
+          </a:p>
+        </p:txBody>
+      </p:sp>
+      <p:sp>
+        <p:nvSpPr>
+          <p:cNvPr id="6" name="Título 5"/>
+          <p:cNvSpPr>
+            <a:spLocks noGrp="1"/>
+          </p:cNvSpPr>
+          <p:nvPr>
+            <p:ph type="ctrTitle"/>
+          </p:nvPr>
+        </p:nvSpPr>
+        <p:spPr/>
+        <p:txBody>
+          <a:bodyPr/>
+          <a:lstStyle/>
+          <a:p>
+            <a:pPr algn="ctr"/>
+            <a:r>
+              <a:rPr lang="pt-BR" dirty="0" smtClean="0"/>
+              <a:t>A IDEIA</a:t>
+            </a:r>
+            <a:endParaRPr lang="pt-BR" dirty="0"/>
+          </a:p>
+        </p:txBody>
+      </p:sp>
+    </p:spTree>
+    <p:extLst>
+      <p:ext uri="{BB962C8B-B14F-4D97-AF65-F5344CB8AC3E}">
+        <p14:creationId xmlns="" xmlns:p14="http://schemas.microsoft.com/office/powerpoint/2010/main" val="3402371617"/>
+      </p:ext>
+    </p:extLst>
+  </p:cSld>
+  <p:clrMapOvr>
+    <a:masterClrMapping/>
+  </p:clrMapOvr>
+</p:sld>
+</file>
+
+<file path=ppt/slides/slide4.xml><?xml version="1.0" encoding="utf-8"?>
+<p:sld xmlns:a="http://schemas.openxmlformats.org/drawingml/2006/main" xmlns:r="http://schemas.openxmlformats.org/officeDocument/2006/relationships" xmlns:p="http://schemas.openxmlformats.org/presentationml/2006/main">
+  <p:cSld>
+    <p:spTree>
+      <p:nvGrpSpPr>
+        <p:cNvPr id="1" name=""/>
+        <p:cNvGrpSpPr/>
+        <p:nvPr/>
+      </p:nvGrpSpPr>
+      <p:grpSpPr>
+        <a:xfrm>
+          <a:off x="0" y="0"/>
+          <a:ext cx="0" cy="0"/>
+          <a:chOff x="0" y="0"/>
+          <a:chExt cx="0" cy="0"/>
+        </a:xfrm>
+      </p:grpSpPr>
+      <p:pic>
+        <p:nvPicPr>
+          <p:cNvPr id="4" name="Imagem 3" descr="Logo Gallery Search cor.png"/>
+          <p:cNvPicPr>
+            <a:picLocks noChangeAspect="1"/>
+          </p:cNvPicPr>
+          <p:nvPr/>
+        </p:nvPicPr>
+        <p:blipFill>
+          <a:blip r:embed="rId2">
+            <a:lum/>
+          </a:blip>
+          <a:stretch>
+            <a:fillRect/>
+          </a:stretch>
+        </p:blipFill>
+        <p:spPr>
+          <a:xfrm>
+            <a:off x="10700658" y="5366658"/>
+            <a:ext cx="1491342" cy="1491342"/>
+          </a:xfrm>
+          <a:prstGeom prst="rect">
+            <a:avLst/>
+          </a:prstGeom>
+          <a:noFill/>
+        </p:spPr>
+      </p:pic>
+      <p:sp>
+        <p:nvSpPr>
+          <p:cNvPr id="5" name="CaixaDeTexto 4"/>
+          <p:cNvSpPr txBox="1"/>
+          <p:nvPr/>
+        </p:nvSpPr>
+        <p:spPr>
+          <a:xfrm>
+            <a:off x="11190514" y="5932714"/>
+            <a:ext cx="533400" cy="369332"/>
+          </a:xfrm>
+          <a:prstGeom prst="rect">
+            <a:avLst/>
+          </a:prstGeom>
+          <a:noFill/>
+        </p:spPr>
+        <p:txBody>
+          <a:bodyPr wrap="square" rtlCol="0">
+            <a:spAutoFit/>
+          </a:bodyPr>
+          <a:lstStyle/>
+          <a:p>
+            <a:pPr algn="ctr"/>
+            <a:r>
+              <a:rPr lang="pt-BR" b="1" dirty="0" smtClean="0">
+                <a:solidFill>
+                  <a:schemeClr val="bg1"/>
+                </a:solidFill>
+              </a:rPr>
+              <a:t>3</a:t>
+            </a:r>
+            <a:endParaRPr lang="pt-BR" b="1" dirty="0">
+              <a:solidFill>
+                <a:schemeClr val="bg1"/>
+              </a:solidFill>
+            </a:endParaRPr>
+          </a:p>
+        </p:txBody>
+      </p:sp>
+      <p:sp>
+        <p:nvSpPr>
+          <p:cNvPr id="6" name="Título 5"/>
+          <p:cNvSpPr>
+            <a:spLocks noGrp="1"/>
+          </p:cNvSpPr>
+          <p:nvPr>
+            <p:ph type="ctrTitle"/>
+          </p:nvPr>
+        </p:nvSpPr>
+        <p:spPr>
+          <a:xfrm>
+            <a:off x="0" y="585215"/>
+            <a:ext cx="12192000" cy="940165"/>
+          </a:xfrm>
+        </p:spPr>
+        <p:txBody>
+          <a:bodyPr>
+            <a:normAutofit/>
+          </a:bodyPr>
+          <a:lstStyle/>
+          <a:p>
+            <a:pPr algn="ctr"/>
+            <a:r>
+              <a:rPr lang="pt-BR" dirty="0" smtClean="0"/>
+              <a:t>CONTEXTUALIZAÇÃO</a:t>
+            </a:r>
+            <a:endParaRPr lang="pt-BR" dirty="0"/>
+          </a:p>
+        </p:txBody>
+      </p:sp>
+      <p:sp>
+        <p:nvSpPr>
+          <p:cNvPr id="8" name="CaixaDeTexto 7"/>
+          <p:cNvSpPr txBox="1"/>
+          <p:nvPr/>
+        </p:nvSpPr>
+        <p:spPr>
+          <a:xfrm>
+            <a:off x="566928" y="1664208"/>
+            <a:ext cx="11625072" cy="3831818"/>
+          </a:xfrm>
+          <a:prstGeom prst="rect">
+            <a:avLst/>
+          </a:prstGeom>
+          <a:noFill/>
+        </p:spPr>
+        <p:txBody>
+          <a:bodyPr wrap="square" rtlCol="0">
+            <a:spAutoFit/>
+          </a:bodyPr>
+          <a:lstStyle/>
+          <a:p>
+            <a:r>
+              <a:rPr lang="pt-BR" sz="2700" dirty="0" smtClean="0"/>
+              <a:t>ESTATÍSTICAS MUNDIAIS RELATIVAS AO USO DOS SMARTPHONES NO DIA A DIA</a:t>
+            </a:r>
+          </a:p>
+          <a:p>
+            <a:endParaRPr lang="pt-BR" sz="2700" dirty="0" smtClean="0"/>
+          </a:p>
+          <a:p>
+            <a:r>
+              <a:rPr lang="pt-BR" sz="2700" dirty="0" smtClean="0"/>
+              <a:t>MUDANÇAS CULTURAIS QUANTO A FORMA DE NOS RELACIONARMOS</a:t>
+            </a:r>
+          </a:p>
+          <a:p>
+            <a:endParaRPr lang="pt-BR" sz="2700" dirty="0" smtClean="0"/>
+          </a:p>
+          <a:p>
+            <a:r>
+              <a:rPr lang="pt-BR" sz="2700" dirty="0" smtClean="0"/>
+              <a:t>FACEBOOK, INSTAGRAM E O FENÔMENO DOS MEMES</a:t>
+            </a:r>
+          </a:p>
+          <a:p>
+            <a:endParaRPr lang="pt-BR" sz="2700" dirty="0" smtClean="0"/>
+          </a:p>
+          <a:p>
+            <a:r>
+              <a:rPr lang="pt-BR" sz="2700" dirty="0" smtClean="0"/>
+              <a:t>WHATSAPP E OS STICKERS</a:t>
+            </a:r>
+          </a:p>
+        </p:txBody>
+      </p:sp>
+    </p:spTree>
+    <p:extLst>
+      <p:ext uri="{BB962C8B-B14F-4D97-AF65-F5344CB8AC3E}">
+        <p14:creationId xmlns="" xmlns:p14="http://schemas.microsoft.com/office/powerpoint/2010/main" val="3402371617"/>
+      </p:ext>
+    </p:extLst>
+  </p:cSld>
+  <p:clrMapOvr>
+    <a:masterClrMapping/>
+  </p:clrMapOvr>
+</p:sld>
+</file>
+
+<file path=ppt/slides/slide5.xml><?xml version="1.0" encoding="utf-8"?>
+<p:sld xmlns:a="http://schemas.openxmlformats.org/drawingml/2006/main" xmlns:r="http://schemas.openxmlformats.org/officeDocument/2006/relationships" xmlns:p="http://schemas.openxmlformats.org/presentationml/2006/main">
+  <p:cSld>
+    <p:spTree>
+      <p:nvGrpSpPr>
+        <p:cNvPr id="1" name=""/>
+        <p:cNvGrpSpPr/>
+        <p:nvPr/>
+      </p:nvGrpSpPr>
+      <p:grpSpPr>
+        <a:xfrm>
+          <a:off x="0" y="0"/>
+          <a:ext cx="0" cy="0"/>
+          <a:chOff x="0" y="0"/>
+          <a:chExt cx="0" cy="0"/>
+        </a:xfrm>
+      </p:grpSpPr>
+      <p:pic>
+        <p:nvPicPr>
+          <p:cNvPr id="4" name="Imagem 3" descr="Logo Gallery Search cor.png"/>
+          <p:cNvPicPr>
+            <a:picLocks noChangeAspect="1"/>
+          </p:cNvPicPr>
+          <p:nvPr/>
+        </p:nvPicPr>
+        <p:blipFill>
+          <a:blip r:embed="rId2">
+            <a:lum/>
+          </a:blip>
+          <a:stretch>
+            <a:fillRect/>
+          </a:stretch>
+        </p:blipFill>
+        <p:spPr>
+          <a:xfrm>
+            <a:off x="10700658" y="5366658"/>
+            <a:ext cx="1491342" cy="1491342"/>
+          </a:xfrm>
+          <a:prstGeom prst="rect">
+            <a:avLst/>
+          </a:prstGeom>
+          <a:noFill/>
+        </p:spPr>
+      </p:pic>
+      <p:sp>
+        <p:nvSpPr>
+          <p:cNvPr id="5" name="CaixaDeTexto 4"/>
+          <p:cNvSpPr txBox="1"/>
+          <p:nvPr/>
+        </p:nvSpPr>
+        <p:spPr>
+          <a:xfrm>
+            <a:off x="11190514" y="5932714"/>
+            <a:ext cx="533400" cy="369332"/>
+          </a:xfrm>
+          <a:prstGeom prst="rect">
+            <a:avLst/>
+          </a:prstGeom>
+          <a:noFill/>
+        </p:spPr>
+        <p:txBody>
+          <a:bodyPr wrap="square" rtlCol="0">
+            <a:spAutoFit/>
+          </a:bodyPr>
+          <a:lstStyle/>
+          <a:p>
+            <a:pPr algn="ctr"/>
+            <a:r>
+              <a:rPr lang="pt-BR" b="1" smtClean="0">
+                <a:solidFill>
+                  <a:schemeClr val="bg1"/>
+                </a:solidFill>
+              </a:rPr>
+              <a:t>4</a:t>
+            </a:r>
+            <a:endParaRPr lang="pt-BR" b="1" dirty="0">
+              <a:solidFill>
+                <a:schemeClr val="bg1"/>
+              </a:solidFill>
+            </a:endParaRPr>
+          </a:p>
+        </p:txBody>
+      </p:sp>
+      <p:sp>
+        <p:nvSpPr>
+          <p:cNvPr id="6" name="Título 5"/>
+          <p:cNvSpPr>
+            <a:spLocks noGrp="1"/>
+          </p:cNvSpPr>
+          <p:nvPr>
+            <p:ph type="ctrTitle"/>
+          </p:nvPr>
+        </p:nvSpPr>
+        <p:spPr>
+          <a:xfrm>
+            <a:off x="0" y="585215"/>
+            <a:ext cx="12192000" cy="940165"/>
+          </a:xfrm>
+        </p:spPr>
+        <p:txBody>
+          <a:bodyPr>
+            <a:normAutofit/>
+          </a:bodyPr>
+          <a:lstStyle/>
+          <a:p>
+            <a:pPr algn="ctr"/>
+            <a:r>
+              <a:rPr lang="pt-BR" dirty="0" smtClean="0"/>
+              <a:t>CONTEXTUALIZAÇÃO</a:t>
+            </a:r>
+            <a:endParaRPr lang="pt-BR" dirty="0"/>
+          </a:p>
+        </p:txBody>
+      </p:sp>
+      <p:sp>
+        <p:nvSpPr>
+          <p:cNvPr id="8" name="CaixaDeTexto 7"/>
+          <p:cNvSpPr txBox="1"/>
+          <p:nvPr/>
+        </p:nvSpPr>
+        <p:spPr>
+          <a:xfrm>
+            <a:off x="566928" y="1664208"/>
+            <a:ext cx="11625072" cy="3831818"/>
+          </a:xfrm>
+          <a:prstGeom prst="rect">
+            <a:avLst/>
+          </a:prstGeom>
+          <a:noFill/>
+        </p:spPr>
+        <p:txBody>
+          <a:bodyPr wrap="square" rtlCol="0">
+            <a:spAutoFit/>
+          </a:bodyPr>
+          <a:lstStyle/>
+          <a:p>
+            <a:r>
+              <a:rPr lang="pt-BR" sz="2700" dirty="0" smtClean="0"/>
+              <a:t>ESTATÍSTICAS MUNDIAIS RELATIVAS AO USO DOS SMARTPHONES NO DIA A DIA</a:t>
+            </a:r>
+          </a:p>
+          <a:p>
+            <a:endParaRPr lang="pt-BR" sz="2700" dirty="0" smtClean="0"/>
+          </a:p>
+          <a:p>
+            <a:r>
+              <a:rPr lang="pt-BR" sz="2700" dirty="0" smtClean="0"/>
+              <a:t>MUDANÇAS CULTURAIS QUANTO A FORMA DE NOS RELACIONARMOS</a:t>
+            </a:r>
+          </a:p>
+          <a:p>
+            <a:endParaRPr lang="pt-BR" sz="2700" dirty="0" smtClean="0"/>
+          </a:p>
+          <a:p>
+            <a:r>
+              <a:rPr lang="pt-BR" sz="2700" dirty="0" smtClean="0"/>
+              <a:t>FACEBOOK, INSTAGRAM E O FENÔMENO DOS MEMES</a:t>
+            </a:r>
+          </a:p>
+          <a:p>
+            <a:endParaRPr lang="pt-BR" sz="2700" dirty="0" smtClean="0"/>
+          </a:p>
+          <a:p>
+            <a:r>
+              <a:rPr lang="pt-BR" sz="2700" dirty="0" smtClean="0"/>
+              <a:t>WHATSAPP E OS STICKERS</a:t>
+            </a:r>
+          </a:p>
+        </p:txBody>
+      </p:sp>
+    </p:spTree>
+    <p:extLst>
+      <p:ext uri="{BB962C8B-B14F-4D97-AF65-F5344CB8AC3E}">
+        <p14:creationId xmlns="" xmlns:p14="http://schemas.microsoft.com/office/powerpoint/2010/main" val="3402371617"/>
+      </p:ext>
+    </p:extLst>
+  </p:cSld>
+  <p:clrMapOvr>
+    <a:masterClrMapping/>
+  </p:clrMapOvr>
+</p:sld>
+</file>
+
+<file path=ppt/slides/slide6.xml><?xml version="1.0" encoding="utf-8"?>
+<p:sld xmlns:a="http://schemas.openxmlformats.org/drawingml/2006/main" xmlns:r="http://schemas.openxmlformats.org/officeDocument/2006/relationships" xmlns:p="http://schemas.openxmlformats.org/presentationml/2006/main">
+  <p:cSld>
+    <p:spTree>
+      <p:nvGrpSpPr>
+        <p:cNvPr id="1" name=""/>
+        <p:cNvGrpSpPr/>
+        <p:nvPr/>
+      </p:nvGrpSpPr>
+      <p:grpSpPr>
+        <a:xfrm>
+          <a:off x="0" y="0"/>
+          <a:ext cx="0" cy="0"/>
+          <a:chOff x="0" y="0"/>
+          <a:chExt cx="0" cy="0"/>
+        </a:xfrm>
+      </p:grpSpPr>
+      <p:pic>
+        <p:nvPicPr>
+          <p:cNvPr id="4" name="Imagem 3" descr="Logo Gallery Search cor.png"/>
+          <p:cNvPicPr>
+            <a:picLocks noChangeAspect="1"/>
+          </p:cNvPicPr>
+          <p:nvPr/>
+        </p:nvPicPr>
+        <p:blipFill>
+          <a:blip r:embed="rId2">
+            <a:lum/>
+          </a:blip>
+          <a:stretch>
+            <a:fillRect/>
+          </a:stretch>
+        </p:blipFill>
+        <p:spPr>
+          <a:xfrm>
+            <a:off x="10700658" y="5366658"/>
+            <a:ext cx="1491342" cy="1491342"/>
+          </a:xfrm>
+          <a:prstGeom prst="rect">
+            <a:avLst/>
+          </a:prstGeom>
+          <a:noFill/>
+        </p:spPr>
+      </p:pic>
+      <p:sp>
+        <p:nvSpPr>
+          <p:cNvPr id="5" name="CaixaDeTexto 4"/>
+          <p:cNvSpPr txBox="1"/>
+          <p:nvPr/>
+        </p:nvSpPr>
+        <p:spPr>
+          <a:xfrm>
+            <a:off x="11190514" y="5932714"/>
+            <a:ext cx="533400" cy="369332"/>
+          </a:xfrm>
+          <a:prstGeom prst="rect">
+            <a:avLst/>
+          </a:prstGeom>
+          <a:noFill/>
+        </p:spPr>
+        <p:txBody>
+          <a:bodyPr wrap="square" rtlCol="0">
+            <a:spAutoFit/>
+          </a:bodyPr>
+          <a:lstStyle/>
+          <a:p>
+            <a:pPr algn="ctr"/>
+            <a:r>
+              <a:rPr lang="pt-BR" b="1" dirty="0" smtClean="0">
+                <a:solidFill>
+                  <a:schemeClr val="bg1"/>
+                </a:solidFill>
+              </a:rPr>
+              <a:t>1</a:t>
+            </a:r>
+            <a:endParaRPr lang="pt-BR" b="1" dirty="0">
+              <a:solidFill>
+                <a:schemeClr val="bg1"/>
+              </a:solidFill>
+            </a:endParaRPr>
+          </a:p>
+        </p:txBody>
+      </p:sp>
+      <p:sp>
+        <p:nvSpPr>
+          <p:cNvPr id="6" name="Título 5"/>
+          <p:cNvSpPr>
+            <a:spLocks noGrp="1"/>
+          </p:cNvSpPr>
+          <p:nvPr>
+            <p:ph type="ctrTitle"/>
+          </p:nvPr>
+        </p:nvSpPr>
+        <p:spPr/>
+        <p:txBody>
+          <a:bodyPr/>
+          <a:lstStyle/>
+          <a:p>
+            <a:pPr algn="ctr"/>
+            <a:r>
+              <a:rPr lang="pt-BR" dirty="0" smtClean="0"/>
+              <a:t>Dúvidas? Sugestões?</a:t>
+            </a:r>
+            <a:endParaRPr lang="pt-BR" dirty="0"/>
+          </a:p>
+        </p:txBody>
+      </p:sp>
+    </p:spTree>
+    <p:extLst>
+      <p:ext uri="{BB962C8B-B14F-4D97-AF65-F5344CB8AC3E}">
+        <p14:creationId xmlns="" xmlns:p14="http://schemas.microsoft.com/office/powerpoint/2010/main" val="3402371617"/>
+      </p:ext>
+    </p:extLst>
+  </p:cSld>
+  <p:clrMapOvr>
+    <a:masterClrMapping/>
+  </p:clrMapOvr>
+</p:sld>
+</file>
+
+<file path=ppt/slides/slide7.xml><?xml version="1.0" encoding="utf-8"?>
+<p:sld xmlns:a="http://schemas.openxmlformats.org/drawingml/2006/main" xmlns:r="http://schemas.openxmlformats.org/officeDocument/2006/relationships" xmlns:p="http://schemas.openxmlformats.org/presentationml/2006/main">
+  <p:cSld>
+    <p:spTree>
+      <p:nvGrpSpPr>
+        <p:cNvPr id="1" name=""/>
+        <p:cNvGrpSpPr/>
+        <p:nvPr/>
+      </p:nvGrpSpPr>
+      <p:grpSpPr>
+        <a:xfrm>
+          <a:off x="0" y="0"/>
+          <a:ext cx="0" cy="0"/>
+          <a:chOff x="0" y="0"/>
+          <a:chExt cx="0" cy="0"/>
+        </a:xfrm>
+      </p:grpSpPr>
+      <p:pic>
+        <p:nvPicPr>
+          <p:cNvPr id="4" name="Imagem 3" descr="Logo Gallery Search cor.png"/>
+          <p:cNvPicPr>
+            <a:picLocks noChangeAspect="1"/>
+          </p:cNvPicPr>
+          <p:nvPr/>
+        </p:nvPicPr>
+        <p:blipFill>
+          <a:blip r:embed="rId2">
+            <a:lum/>
+          </a:blip>
+          <a:stretch>
+            <a:fillRect/>
+          </a:stretch>
+        </p:blipFill>
+        <p:spPr>
+          <a:xfrm>
+            <a:off x="10700658" y="5366658"/>
+            <a:ext cx="1491342" cy="1491342"/>
+          </a:xfrm>
+          <a:prstGeom prst="rect">
+            <a:avLst/>
+          </a:prstGeom>
+          <a:noFill/>
+        </p:spPr>
+      </p:pic>
+      <p:sp>
+        <p:nvSpPr>
+          <p:cNvPr id="5" name="CaixaDeTexto 4"/>
+          <p:cNvSpPr txBox="1"/>
+          <p:nvPr/>
+        </p:nvSpPr>
+        <p:spPr>
+          <a:xfrm>
+            <a:off x="11190514" y="5932714"/>
+            <a:ext cx="533400" cy="369332"/>
+          </a:xfrm>
+          <a:prstGeom prst="rect">
+            <a:avLst/>
+          </a:prstGeom>
+          <a:noFill/>
+        </p:spPr>
+        <p:txBody>
+          <a:bodyPr wrap="square" rtlCol="0">
+            <a:spAutoFit/>
+          </a:bodyPr>
+          <a:lstStyle/>
+          <a:p>
+            <a:pPr algn="ctr"/>
+            <a:r>
+              <a:rPr lang="pt-BR" b="1" dirty="0" smtClean="0">
+                <a:solidFill>
+                  <a:schemeClr val="bg1"/>
+                </a:solidFill>
+              </a:rPr>
+              <a:t>1</a:t>
+            </a:r>
+            <a:endParaRPr lang="pt-BR" b="1" dirty="0">
+              <a:solidFill>
+                <a:schemeClr val="bg1"/>
+              </a:solidFill>
+            </a:endParaRPr>
+          </a:p>
+        </p:txBody>
+      </p:sp>
+      <p:sp>
+        <p:nvSpPr>
+          <p:cNvPr id="6" name="Título 5"/>
+          <p:cNvSpPr>
+            <a:spLocks noGrp="1"/>
+          </p:cNvSpPr>
+          <p:nvPr>
+            <p:ph type="ctrTitle"/>
+          </p:nvPr>
+        </p:nvSpPr>
+        <p:spPr/>
+        <p:txBody>
+          <a:bodyPr/>
+          <a:lstStyle/>
+          <a:p>
+            <a:pPr algn="ctr"/>
+            <a:r>
+              <a:rPr lang="pt-BR" dirty="0" smtClean="0"/>
+              <a:t>Muito obrigado!</a:t>
+            </a:r>
+            <a:endParaRPr lang="pt-BR" dirty="0"/>
+          </a:p>
+        </p:txBody>
+      </p:sp>
+    </p:spTree>
+    <p:extLst>
+      <p:ext uri="{BB962C8B-B14F-4D97-AF65-F5344CB8AC3E}">
+        <p14:creationId xmlns="" xmlns:p14="http://schemas.microsoft.com/office/powerpoint/2010/main" val="3402371617"/>
       </p:ext>
     </p:extLst>
   </p:cSld>
@@ -6179,7 +6915,7 @@
   <a:extraClrSchemeLst/>
   <a:extLst>
     <a:ext uri="{05A4C25C-085E-4340-85A3-A5531E510DB2}">
-      <thm15:themeFamily xmlns:thm15="http://schemas.microsoft.com/office/thememl/2012/main" xmlns="" name="Vapor Trail" id="{4FDF2955-7D9C-493C-B9F9-C205151B46CD}" vid="{8F31A783-2159-4870-BC29-2BA7D038EA44}"/>
+      <thm15:themeFamily xmlns="" xmlns:thm15="http://schemas.microsoft.com/office/thememl/2012/main" name="Vapor Trail" id="{4FDF2955-7D9C-493C-B9F9-C205151B46CD}" vid="{8F31A783-2159-4870-BC29-2BA7D038EA44}"/>
     </a:ext>
   </a:extLst>
 </a:theme>

--- a/docs/apresentação tcc.pptx
+++ b/docs/apresentação tcc.pptx
@@ -9,9 +9,13 @@
     <p:sldId id="257" r:id="rId3"/>
     <p:sldId id="269" r:id="rId4"/>
     <p:sldId id="258" r:id="rId5"/>
-    <p:sldId id="268" r:id="rId6"/>
-    <p:sldId id="266" r:id="rId7"/>
-    <p:sldId id="267" r:id="rId8"/>
+    <p:sldId id="270" r:id="rId6"/>
+    <p:sldId id="268" r:id="rId7"/>
+    <p:sldId id="271" r:id="rId8"/>
+    <p:sldId id="272" r:id="rId9"/>
+    <p:sldId id="273" r:id="rId10"/>
+    <p:sldId id="266" r:id="rId11"/>
+    <p:sldId id="267" r:id="rId12"/>
   </p:sldIdLst>
   <p:sldSz cx="12192000" cy="6858000"/>
   <p:notesSz cx="6858000" cy="9144000"/>
@@ -289,7 +293,7 @@
             <a:fld id="{48A87A34-81AB-432B-8DAE-1953F412C126}" type="datetimeFigureOut">
               <a:rPr lang="en-US" dirty="0"/>
               <a:pPr/>
-              <a:t>11/28/2019</a:t>
+              <a:t>11/29/2019</a:t>
             </a:fld>
             <a:endParaRPr lang="en-US" dirty="0"/>
           </a:p>
@@ -553,7 +557,7 @@
             <a:fld id="{48A87A34-81AB-432B-8DAE-1953F412C126}" type="datetimeFigureOut">
               <a:rPr lang="en-US" dirty="0"/>
               <a:pPr/>
-              <a:t>11/28/2019</a:t>
+              <a:t>11/29/2019</a:t>
             </a:fld>
             <a:endParaRPr lang="en-US" dirty="0"/>
           </a:p>
@@ -781,7 +785,7 @@
             <a:fld id="{48A87A34-81AB-432B-8DAE-1953F412C126}" type="datetimeFigureOut">
               <a:rPr lang="en-US" dirty="0"/>
               <a:pPr/>
-              <a:t>11/28/2019</a:t>
+              <a:t>11/29/2019</a:t>
             </a:fld>
             <a:endParaRPr lang="en-US" dirty="0"/>
           </a:p>
@@ -1088,7 +1092,7 @@
             <a:fld id="{48A87A34-81AB-432B-8DAE-1953F412C126}" type="datetimeFigureOut">
               <a:rPr lang="en-US" dirty="0"/>
               <a:pPr/>
-              <a:t>11/28/2019</a:t>
+              <a:t>11/29/2019</a:t>
             </a:fld>
             <a:endParaRPr lang="en-US" dirty="0"/>
           </a:p>
@@ -1558,7 +1562,7 @@
             <a:fld id="{48A87A34-81AB-432B-8DAE-1953F412C126}" type="datetimeFigureOut">
               <a:rPr lang="en-US" dirty="0"/>
               <a:pPr/>
-              <a:t>11/28/2019</a:t>
+              <a:t>11/29/2019</a:t>
             </a:fld>
             <a:endParaRPr lang="en-US" dirty="0"/>
           </a:p>
@@ -2102,7 +2106,7 @@
             <a:fld id="{48A87A34-81AB-432B-8DAE-1953F412C126}" type="datetimeFigureOut">
               <a:rPr lang="en-US" dirty="0"/>
               <a:pPr/>
-              <a:t>11/28/2019</a:t>
+              <a:t>11/29/2019</a:t>
             </a:fld>
             <a:endParaRPr lang="en-US" dirty="0"/>
           </a:p>
@@ -2873,7 +2877,7 @@
             <a:fld id="{48A87A34-81AB-432B-8DAE-1953F412C126}" type="datetimeFigureOut">
               <a:rPr lang="en-US" dirty="0"/>
               <a:pPr/>
-              <a:t>11/28/2019</a:t>
+              <a:t>11/29/2019</a:t>
             </a:fld>
             <a:endParaRPr lang="en-US" dirty="0"/>
           </a:p>
@@ -3045,7 +3049,7 @@
             <a:fld id="{48A87A34-81AB-432B-8DAE-1953F412C126}" type="datetimeFigureOut">
               <a:rPr lang="en-US" dirty="0"/>
               <a:pPr/>
-              <a:t>11/28/2019</a:t>
+              <a:t>11/29/2019</a:t>
             </a:fld>
             <a:endParaRPr lang="en-US" dirty="0"/>
           </a:p>
@@ -3265,7 +3269,7 @@
             <a:fld id="{48A87A34-81AB-432B-8DAE-1953F412C126}" type="datetimeFigureOut">
               <a:rPr lang="en-US" dirty="0"/>
               <a:pPr/>
-              <a:t>11/28/2019</a:t>
+              <a:t>11/29/2019</a:t>
             </a:fld>
             <a:endParaRPr lang="en-US" dirty="0"/>
           </a:p>
@@ -3442,7 +3446,7 @@
             <a:fld id="{48A87A34-81AB-432B-8DAE-1953F412C126}" type="datetimeFigureOut">
               <a:rPr lang="en-US" dirty="0"/>
               <a:pPr/>
-              <a:t>11/28/2019</a:t>
+              <a:t>11/29/2019</a:t>
             </a:fld>
             <a:endParaRPr lang="en-US" dirty="0"/>
           </a:p>
@@ -3728,7 +3732,7 @@
             <a:fld id="{48A87A34-81AB-432B-8DAE-1953F412C126}" type="datetimeFigureOut">
               <a:rPr lang="en-US" dirty="0"/>
               <a:pPr/>
-              <a:t>11/28/2019</a:t>
+              <a:t>11/29/2019</a:t>
             </a:fld>
             <a:endParaRPr lang="en-US" dirty="0"/>
           </a:p>
@@ -3967,7 +3971,7 @@
             <a:fld id="{48A87A34-81AB-432B-8DAE-1953F412C126}" type="datetimeFigureOut">
               <a:rPr lang="en-US" dirty="0"/>
               <a:pPr/>
-              <a:t>11/28/2019</a:t>
+              <a:t>11/29/2019</a:t>
             </a:fld>
             <a:endParaRPr lang="en-US" dirty="0"/>
           </a:p>
@@ -4343,7 +4347,7 @@
             <a:fld id="{48A87A34-81AB-432B-8DAE-1953F412C126}" type="datetimeFigureOut">
               <a:rPr lang="en-US" dirty="0"/>
               <a:pPr/>
-              <a:t>11/28/2019</a:t>
+              <a:t>11/29/2019</a:t>
             </a:fld>
             <a:endParaRPr lang="en-US" dirty="0"/>
           </a:p>
@@ -4458,7 +4462,7 @@
             <a:fld id="{48A87A34-81AB-432B-8DAE-1953F412C126}" type="datetimeFigureOut">
               <a:rPr lang="en-US" dirty="0"/>
               <a:pPr/>
-              <a:t>11/28/2019</a:t>
+              <a:t>11/29/2019</a:t>
             </a:fld>
             <a:endParaRPr lang="en-US" dirty="0"/>
           </a:p>
@@ -4550,7 +4554,7 @@
             <a:fld id="{48A87A34-81AB-432B-8DAE-1953F412C126}" type="datetimeFigureOut">
               <a:rPr lang="en-US" dirty="0"/>
               <a:pPr/>
-              <a:t>11/28/2019</a:t>
+              <a:t>11/29/2019</a:t>
             </a:fld>
             <a:endParaRPr lang="en-US" dirty="0"/>
           </a:p>
@@ -4796,7 +4800,7 @@
             <a:fld id="{48A87A34-81AB-432B-8DAE-1953F412C126}" type="datetimeFigureOut">
               <a:rPr lang="en-US" dirty="0"/>
               <a:pPr/>
-              <a:t>11/28/2019</a:t>
+              <a:t>11/29/2019</a:t>
             </a:fld>
             <a:endParaRPr lang="en-US" dirty="0"/>
           </a:p>
@@ -5050,7 +5054,7 @@
             <a:fld id="{48A87A34-81AB-432B-8DAE-1953F412C126}" type="datetimeFigureOut">
               <a:rPr lang="en-US" dirty="0"/>
               <a:pPr/>
-              <a:t>11/28/2019</a:t>
+              <a:t>11/29/2019</a:t>
             </a:fld>
             <a:endParaRPr lang="en-US" dirty="0"/>
           </a:p>
@@ -5290,7 +5294,7 @@
             <a:fld id="{48A87A34-81AB-432B-8DAE-1953F412C126}" type="datetimeFigureOut">
               <a:rPr lang="en-US" dirty="0"/>
               <a:pPr/>
-              <a:t>11/28/2019</a:t>
+              <a:t>11/29/2019</a:t>
             </a:fld>
             <a:endParaRPr lang="en-US" dirty="0"/>
           </a:p>
@@ -5802,6 +5806,267 @@
   <p:clrMapOvr>
     <a:masterClrMapping/>
   </p:clrMapOvr>
+  <p:timing>
+    <p:tnLst>
+      <p:par>
+        <p:cTn id="1" dur="indefinite" restart="never" nodeType="tmRoot"/>
+      </p:par>
+    </p:tnLst>
+  </p:timing>
+</p:sld>
+</file>
+
+<file path=ppt/slides/slide10.xml><?xml version="1.0" encoding="utf-8"?>
+<p:sld xmlns:a="http://schemas.openxmlformats.org/drawingml/2006/main" xmlns:r="http://schemas.openxmlformats.org/officeDocument/2006/relationships" xmlns:p="http://schemas.openxmlformats.org/presentationml/2006/main">
+  <p:cSld>
+    <p:spTree>
+      <p:nvGrpSpPr>
+        <p:cNvPr id="1" name=""/>
+        <p:cNvGrpSpPr/>
+        <p:nvPr/>
+      </p:nvGrpSpPr>
+      <p:grpSpPr>
+        <a:xfrm>
+          <a:off x="0" y="0"/>
+          <a:ext cx="0" cy="0"/>
+          <a:chOff x="0" y="0"/>
+          <a:chExt cx="0" cy="0"/>
+        </a:xfrm>
+      </p:grpSpPr>
+      <p:pic>
+        <p:nvPicPr>
+          <p:cNvPr id="4" name="Imagem 3" descr="Logo Gallery Search cor.png"/>
+          <p:cNvPicPr>
+            <a:picLocks noChangeAspect="1"/>
+          </p:cNvPicPr>
+          <p:nvPr/>
+        </p:nvPicPr>
+        <p:blipFill>
+          <a:blip r:embed="rId2">
+            <a:lum/>
+          </a:blip>
+          <a:stretch>
+            <a:fillRect/>
+          </a:stretch>
+        </p:blipFill>
+        <p:spPr>
+          <a:xfrm>
+            <a:off x="10700658" y="5366658"/>
+            <a:ext cx="1491342" cy="1491342"/>
+          </a:xfrm>
+          <a:prstGeom prst="rect">
+            <a:avLst/>
+          </a:prstGeom>
+          <a:noFill/>
+        </p:spPr>
+      </p:pic>
+      <p:sp>
+        <p:nvSpPr>
+          <p:cNvPr id="5" name="CaixaDeTexto 4"/>
+          <p:cNvSpPr txBox="1"/>
+          <p:nvPr/>
+        </p:nvSpPr>
+        <p:spPr>
+          <a:xfrm>
+            <a:off x="11190514" y="5932714"/>
+            <a:ext cx="533400" cy="369332"/>
+          </a:xfrm>
+          <a:prstGeom prst="rect">
+            <a:avLst/>
+          </a:prstGeom>
+          <a:noFill/>
+        </p:spPr>
+        <p:txBody>
+          <a:bodyPr wrap="square" rtlCol="0">
+            <a:spAutoFit/>
+          </a:bodyPr>
+          <a:lstStyle/>
+          <a:p>
+            <a:pPr algn="ctr"/>
+            <a:r>
+              <a:rPr lang="pt-BR" b="1" dirty="0" smtClean="0">
+                <a:solidFill>
+                  <a:schemeClr val="bg1"/>
+                </a:solidFill>
+              </a:rPr>
+              <a:t>9</a:t>
+            </a:r>
+            <a:endParaRPr lang="pt-BR" b="1" dirty="0">
+              <a:solidFill>
+                <a:schemeClr val="bg1"/>
+              </a:solidFill>
+            </a:endParaRPr>
+          </a:p>
+        </p:txBody>
+      </p:sp>
+      <p:sp>
+        <p:nvSpPr>
+          <p:cNvPr id="6" name="Título 5"/>
+          <p:cNvSpPr>
+            <a:spLocks noGrp="1"/>
+          </p:cNvSpPr>
+          <p:nvPr>
+            <p:ph type="ctrTitle"/>
+          </p:nvPr>
+        </p:nvSpPr>
+        <p:spPr/>
+        <p:txBody>
+          <a:bodyPr/>
+          <a:lstStyle/>
+          <a:p>
+            <a:pPr algn="ctr"/>
+            <a:r>
+              <a:rPr lang="pt-BR" dirty="0" smtClean="0"/>
+              <a:t>Dúvidas? Sugestões?</a:t>
+            </a:r>
+            <a:endParaRPr lang="pt-BR" dirty="0"/>
+          </a:p>
+        </p:txBody>
+      </p:sp>
+    </p:spTree>
+    <p:extLst>
+      <p:ext uri="{BB962C8B-B14F-4D97-AF65-F5344CB8AC3E}">
+        <p14:creationId xmlns="" xmlns:p14="http://schemas.microsoft.com/office/powerpoint/2010/main" val="3402371617"/>
+      </p:ext>
+    </p:extLst>
+  </p:cSld>
+  <p:clrMapOvr>
+    <a:masterClrMapping/>
+  </p:clrMapOvr>
+  <p:timing>
+    <p:tnLst>
+      <p:par>
+        <p:cTn id="1" dur="indefinite" restart="never" nodeType="tmRoot"/>
+      </p:par>
+    </p:tnLst>
+  </p:timing>
+</p:sld>
+</file>
+
+<file path=ppt/slides/slide11.xml><?xml version="1.0" encoding="utf-8"?>
+<p:sld xmlns:a="http://schemas.openxmlformats.org/drawingml/2006/main" xmlns:r="http://schemas.openxmlformats.org/officeDocument/2006/relationships" xmlns:p="http://schemas.openxmlformats.org/presentationml/2006/main">
+  <p:cSld>
+    <p:spTree>
+      <p:nvGrpSpPr>
+        <p:cNvPr id="1" name=""/>
+        <p:cNvGrpSpPr/>
+        <p:nvPr/>
+      </p:nvGrpSpPr>
+      <p:grpSpPr>
+        <a:xfrm>
+          <a:off x="0" y="0"/>
+          <a:ext cx="0" cy="0"/>
+          <a:chOff x="0" y="0"/>
+          <a:chExt cx="0" cy="0"/>
+        </a:xfrm>
+      </p:grpSpPr>
+      <p:pic>
+        <p:nvPicPr>
+          <p:cNvPr id="4" name="Imagem 3" descr="Logo Gallery Search cor.png"/>
+          <p:cNvPicPr>
+            <a:picLocks noChangeAspect="1"/>
+          </p:cNvPicPr>
+          <p:nvPr/>
+        </p:nvPicPr>
+        <p:blipFill>
+          <a:blip r:embed="rId2">
+            <a:lum/>
+          </a:blip>
+          <a:stretch>
+            <a:fillRect/>
+          </a:stretch>
+        </p:blipFill>
+        <p:spPr>
+          <a:xfrm>
+            <a:off x="10700658" y="5366658"/>
+            <a:ext cx="1491342" cy="1491342"/>
+          </a:xfrm>
+          <a:prstGeom prst="rect">
+            <a:avLst/>
+          </a:prstGeom>
+          <a:noFill/>
+        </p:spPr>
+      </p:pic>
+      <p:sp>
+        <p:nvSpPr>
+          <p:cNvPr id="5" name="CaixaDeTexto 4"/>
+          <p:cNvSpPr txBox="1"/>
+          <p:nvPr/>
+        </p:nvSpPr>
+        <p:spPr>
+          <a:xfrm>
+            <a:off x="11190514" y="5932714"/>
+            <a:ext cx="533400" cy="369332"/>
+          </a:xfrm>
+          <a:prstGeom prst="rect">
+            <a:avLst/>
+          </a:prstGeom>
+          <a:noFill/>
+        </p:spPr>
+        <p:txBody>
+          <a:bodyPr wrap="square" rtlCol="0">
+            <a:spAutoFit/>
+          </a:bodyPr>
+          <a:lstStyle/>
+          <a:p>
+            <a:pPr algn="ctr"/>
+            <a:r>
+              <a:rPr lang="pt-BR" b="1" dirty="0" smtClean="0">
+                <a:solidFill>
+                  <a:schemeClr val="bg1"/>
+                </a:solidFill>
+              </a:rPr>
+              <a:t>10</a:t>
+            </a:r>
+            <a:endParaRPr lang="pt-BR" b="1" dirty="0">
+              <a:solidFill>
+                <a:schemeClr val="bg1"/>
+              </a:solidFill>
+            </a:endParaRPr>
+          </a:p>
+        </p:txBody>
+      </p:sp>
+      <p:sp>
+        <p:nvSpPr>
+          <p:cNvPr id="6" name="Título 5"/>
+          <p:cNvSpPr>
+            <a:spLocks noGrp="1"/>
+          </p:cNvSpPr>
+          <p:nvPr>
+            <p:ph type="ctrTitle"/>
+          </p:nvPr>
+        </p:nvSpPr>
+        <p:spPr/>
+        <p:txBody>
+          <a:bodyPr/>
+          <a:lstStyle/>
+          <a:p>
+            <a:pPr algn="ctr"/>
+            <a:r>
+              <a:rPr lang="pt-BR" dirty="0" smtClean="0"/>
+              <a:t>Muito obrigado!</a:t>
+            </a:r>
+            <a:endParaRPr lang="pt-BR" dirty="0"/>
+          </a:p>
+        </p:txBody>
+      </p:sp>
+    </p:spTree>
+    <p:extLst>
+      <p:ext uri="{BB962C8B-B14F-4D97-AF65-F5344CB8AC3E}">
+        <p14:creationId xmlns="" xmlns:p14="http://schemas.microsoft.com/office/powerpoint/2010/main" val="3402371617"/>
+      </p:ext>
+    </p:extLst>
+  </p:cSld>
+  <p:clrMapOvr>
+    <a:masterClrMapping/>
+  </p:clrMapOvr>
+  <p:timing>
+    <p:tnLst>
+      <p:par>
+        <p:cTn id="1" dur="indefinite" restart="never" nodeType="tmRoot"/>
+      </p:par>
+    </p:tnLst>
+  </p:timing>
 </p:sld>
 </file>
 
@@ -5906,7 +6171,7 @@
             <a:pPr algn="ctr"/>
             <a:r>
               <a:rPr lang="pt-BR" dirty="0" smtClean="0"/>
-              <a:t>O IDEALIZADOR</a:t>
+              <a:t>O AUTOR</a:t>
             </a:r>
             <a:endParaRPr lang="pt-BR" dirty="0"/>
           </a:p>
@@ -5922,6 +6187,13 @@
   <p:clrMapOvr>
     <a:masterClrMapping/>
   </p:clrMapOvr>
+  <p:timing>
+    <p:tnLst>
+      <p:par>
+        <p:cTn id="1" dur="indefinite" restart="never" nodeType="tmRoot"/>
+      </p:par>
+    </p:tnLst>
+  </p:timing>
 </p:sld>
 </file>
 
@@ -6042,6 +6314,13 @@
   <p:clrMapOvr>
     <a:masterClrMapping/>
   </p:clrMapOvr>
+  <p:timing>
+    <p:tnLst>
+      <p:par>
+        <p:cTn id="1" dur="indefinite" restart="never" nodeType="tmRoot"/>
+      </p:par>
+    </p:tnLst>
+  </p:timing>
 </p:sld>
 </file>
 
@@ -6225,6 +6504,13 @@
   <p:clrMapOvr>
     <a:masterClrMapping/>
   </p:clrMapOvr>
+  <p:timing>
+    <p:tnLst>
+      <p:par>
+        <p:cTn id="1" dur="indefinite" restart="never" nodeType="tmRoot"/>
+      </p:par>
+    </p:tnLst>
+  </p:timing>
 </p:sld>
 </file>
 
@@ -6336,7 +6622,7 @@
             <a:pPr algn="ctr"/>
             <a:r>
               <a:rPr lang="pt-BR" dirty="0" smtClean="0"/>
-              <a:t>CONTEXTUALIZAÇÃO</a:t>
+              <a:t>mOTIVAÇÃO</a:t>
             </a:r>
             <a:endParaRPr lang="pt-BR" dirty="0"/>
           </a:p>
@@ -6351,7 +6637,7 @@
         <p:spPr>
           <a:xfrm>
             <a:off x="566928" y="1664208"/>
-            <a:ext cx="11625072" cy="3831818"/>
+            <a:ext cx="11625072" cy="3416320"/>
           </a:xfrm>
           <a:prstGeom prst="rect">
             <a:avLst/>
@@ -6366,7 +6652,7 @@
           <a:p>
             <a:r>
               <a:rPr lang="pt-BR" sz="2700" dirty="0" smtClean="0"/>
-              <a:t>ESTATÍSTICAS MUNDIAIS RELATIVAS AO USO DOS SMARTPHONES NO DIA A DIA</a:t>
+              <a:t>“VOCÊ CONHECE ALGUM APP PRA ISSO ?”</a:t>
             </a:r>
           </a:p>
           <a:p>
@@ -6375,7 +6661,7 @@
           <a:p>
             <a:r>
               <a:rPr lang="pt-BR" sz="2700" dirty="0" smtClean="0"/>
-              <a:t>MUDANÇAS CULTURAIS QUANTO A FORMA DE NOS RELACIONARMOS</a:t>
+              <a:t>“MENINO, NÃO TEM COMO PROCURAR?”</a:t>
             </a:r>
           </a:p>
           <a:p>
@@ -6384,17 +6670,22 @@
           <a:p>
             <a:r>
               <a:rPr lang="pt-BR" sz="2700" dirty="0" smtClean="0"/>
-              <a:t>FACEBOOK, INSTAGRAM E O FENÔMENO DOS MEMES</a:t>
-            </a:r>
-          </a:p>
-          <a:p>
+              <a:t>“ESPERA, TÔ PROCURANDO </a:t>
+            </a:r>
+            <a:r>
+              <a:rPr lang="pt-BR" sz="2700" dirty="0" smtClean="0"/>
+              <a:t>UMA IMAGEM”</a:t>
+            </a:r>
             <a:endParaRPr lang="pt-BR" sz="2700" dirty="0" smtClean="0"/>
           </a:p>
           <a:p>
-            <a:r>
-              <a:rPr lang="pt-BR" sz="2700" dirty="0" smtClean="0"/>
-              <a:t>WHATSAPP E OS STICKERS</a:t>
-            </a:r>
+            <a:endParaRPr lang="pt-BR" sz="2700" dirty="0" smtClean="0"/>
+          </a:p>
+          <a:p>
+            <a:endParaRPr lang="pt-BR" sz="2700" dirty="0" smtClean="0"/>
+          </a:p>
+          <a:p>
+            <a:endParaRPr lang="pt-BR" sz="2700" dirty="0" smtClean="0"/>
           </a:p>
         </p:txBody>
       </p:sp>
@@ -6408,6 +6699,13 @@
   <p:clrMapOvr>
     <a:masterClrMapping/>
   </p:clrMapOvr>
+  <p:timing>
+    <p:tnLst>
+      <p:par>
+        <p:cTn id="1" dur="indefinite" restart="never" nodeType="tmRoot"/>
+      </p:par>
+    </p:tnLst>
+  </p:timing>
 </p:sld>
 </file>
 
@@ -6484,7 +6782,7 @@
                   <a:schemeClr val="bg1"/>
                 </a:solidFill>
               </a:rPr>
-              <a:t>1</a:t>
+              <a:t>5</a:t>
             </a:r>
             <a:endParaRPr lang="pt-BR" b="1" dirty="0">
               <a:solidFill>
@@ -6494,30 +6792,222 @@
           </a:p>
         </p:txBody>
       </p:sp>
-      <p:sp>
-        <p:nvSpPr>
-          <p:cNvPr id="6" name="Título 5"/>
-          <p:cNvSpPr>
-            <a:spLocks noGrp="1"/>
-          </p:cNvSpPr>
-          <p:nvPr>
-            <p:ph type="ctrTitle"/>
-          </p:nvPr>
-        </p:nvSpPr>
-        <p:spPr/>
-        <p:txBody>
-          <a:bodyPr/>
-          <a:lstStyle/>
-          <a:p>
-            <a:pPr algn="ctr"/>
-            <a:r>
-              <a:rPr lang="pt-BR" dirty="0" smtClean="0"/>
-              <a:t>Dúvidas? Sugestões?</a:t>
-            </a:r>
-            <a:endParaRPr lang="pt-BR" dirty="0"/>
-          </a:p>
-        </p:txBody>
-      </p:sp>
+      <p:pic>
+        <p:nvPicPr>
+          <p:cNvPr id="9" name="Imagem 8" descr="monkey.jpg"/>
+          <p:cNvPicPr>
+            <a:picLocks noChangeAspect="1"/>
+          </p:cNvPicPr>
+          <p:nvPr/>
+        </p:nvPicPr>
+        <p:blipFill>
+          <a:blip r:embed="rId3"/>
+          <a:stretch>
+            <a:fillRect/>
+          </a:stretch>
+        </p:blipFill>
+        <p:spPr>
+          <a:xfrm>
+            <a:off x="351387" y="326571"/>
+            <a:ext cx="3893631" cy="4872446"/>
+          </a:xfrm>
+          <a:prstGeom prst="rect">
+            <a:avLst/>
+          </a:prstGeom>
+        </p:spPr>
+      </p:pic>
+      <p:pic>
+        <p:nvPicPr>
+          <p:cNvPr id="10" name="Imagem 9" descr="organizar.jpg"/>
+          <p:cNvPicPr>
+            <a:picLocks noChangeAspect="1"/>
+          </p:cNvPicPr>
+          <p:nvPr/>
+        </p:nvPicPr>
+        <p:blipFill>
+          <a:blip r:embed="rId4"/>
+          <a:stretch>
+            <a:fillRect/>
+          </a:stretch>
+        </p:blipFill>
+        <p:spPr>
+          <a:xfrm>
+            <a:off x="1961607" y="2354078"/>
+            <a:ext cx="5027023" cy="3134907"/>
+          </a:xfrm>
+          <a:prstGeom prst="rect">
+            <a:avLst/>
+          </a:prstGeom>
+        </p:spPr>
+      </p:pic>
+      <p:pic>
+        <p:nvPicPr>
+          <p:cNvPr id="11" name="Imagem 10" descr="search4.png"/>
+          <p:cNvPicPr>
+            <a:picLocks noChangeAspect="1"/>
+          </p:cNvPicPr>
+          <p:nvPr/>
+        </p:nvPicPr>
+        <p:blipFill>
+          <a:blip r:embed="rId5"/>
+          <a:stretch>
+            <a:fillRect/>
+          </a:stretch>
+        </p:blipFill>
+        <p:spPr>
+          <a:xfrm>
+            <a:off x="363254" y="5395581"/>
+            <a:ext cx="5092524" cy="913779"/>
+          </a:xfrm>
+          <a:prstGeom prst="rect">
+            <a:avLst/>
+          </a:prstGeom>
+        </p:spPr>
+      </p:pic>
+      <p:pic>
+        <p:nvPicPr>
+          <p:cNvPr id="12" name="Imagem 11" descr="emoji.jpg"/>
+          <p:cNvPicPr>
+            <a:picLocks noChangeAspect="1"/>
+          </p:cNvPicPr>
+          <p:nvPr/>
+        </p:nvPicPr>
+        <p:blipFill>
+          <a:blip r:embed="rId6"/>
+          <a:stretch>
+            <a:fillRect/>
+          </a:stretch>
+        </p:blipFill>
+        <p:spPr>
+          <a:xfrm>
+            <a:off x="6781800" y="191045"/>
+            <a:ext cx="5151664" cy="5151664"/>
+          </a:xfrm>
+          <a:prstGeom prst="rect">
+            <a:avLst/>
+          </a:prstGeom>
+        </p:spPr>
+      </p:pic>
+      <p:pic>
+        <p:nvPicPr>
+          <p:cNvPr id="13" name="Imagem 12" descr="search5.png"/>
+          <p:cNvPicPr>
+            <a:picLocks noChangeAspect="1"/>
+          </p:cNvPicPr>
+          <p:nvPr/>
+        </p:nvPicPr>
+        <p:blipFill>
+          <a:blip r:embed="rId7"/>
+          <a:stretch>
+            <a:fillRect/>
+          </a:stretch>
+        </p:blipFill>
+        <p:spPr>
+          <a:xfrm>
+            <a:off x="5684599" y="5662541"/>
+            <a:ext cx="4715533" cy="1019317"/>
+          </a:xfrm>
+          <a:prstGeom prst="rect">
+            <a:avLst/>
+          </a:prstGeom>
+        </p:spPr>
+      </p:pic>
+      <p:pic>
+        <p:nvPicPr>
+          <p:cNvPr id="14" name="Imagem 13" descr="search6.png"/>
+          <p:cNvPicPr>
+            <a:picLocks noChangeAspect="1"/>
+          </p:cNvPicPr>
+          <p:nvPr/>
+        </p:nvPicPr>
+        <p:blipFill>
+          <a:blip r:embed="rId8"/>
+          <a:stretch>
+            <a:fillRect/>
+          </a:stretch>
+        </p:blipFill>
+        <p:spPr>
+          <a:xfrm>
+            <a:off x="4061070" y="765132"/>
+            <a:ext cx="4734586" cy="1905266"/>
+          </a:xfrm>
+          <a:prstGeom prst="rect">
+            <a:avLst/>
+          </a:prstGeom>
+        </p:spPr>
+      </p:pic>
+      <p:pic>
+        <p:nvPicPr>
+          <p:cNvPr id="15" name="Imagem 14" descr="search.png"/>
+          <p:cNvPicPr>
+            <a:picLocks noChangeAspect="1"/>
+          </p:cNvPicPr>
+          <p:nvPr/>
+        </p:nvPicPr>
+        <p:blipFill>
+          <a:blip r:embed="rId9"/>
+          <a:stretch>
+            <a:fillRect/>
+          </a:stretch>
+        </p:blipFill>
+        <p:spPr>
+          <a:xfrm>
+            <a:off x="7466940" y="3590808"/>
+            <a:ext cx="4725060" cy="1676634"/>
+          </a:xfrm>
+          <a:prstGeom prst="rect">
+            <a:avLst/>
+          </a:prstGeom>
+        </p:spPr>
+      </p:pic>
+      <p:pic>
+        <p:nvPicPr>
+          <p:cNvPr id="17" name="Imagem 16" descr="twiter.jpg"/>
+          <p:cNvPicPr>
+            <a:picLocks noChangeAspect="1"/>
+          </p:cNvPicPr>
+          <p:nvPr/>
+        </p:nvPicPr>
+        <p:blipFill>
+          <a:blip r:embed="rId10"/>
+          <a:stretch>
+            <a:fillRect/>
+          </a:stretch>
+        </p:blipFill>
+        <p:spPr>
+          <a:xfrm>
+            <a:off x="4524375" y="500063"/>
+            <a:ext cx="6858000" cy="3114675"/>
+          </a:xfrm>
+          <a:prstGeom prst="rect">
+            <a:avLst/>
+          </a:prstGeom>
+        </p:spPr>
+      </p:pic>
+      <p:pic>
+        <p:nvPicPr>
+          <p:cNvPr id="18" name="Imagem 17" descr="figurinha.jpg"/>
+          <p:cNvPicPr>
+            <a:picLocks noChangeAspect="1"/>
+          </p:cNvPicPr>
+          <p:nvPr/>
+        </p:nvPicPr>
+        <p:blipFill>
+          <a:blip r:embed="rId11"/>
+          <a:stretch>
+            <a:fillRect/>
+          </a:stretch>
+        </p:blipFill>
+        <p:spPr>
+          <a:xfrm>
+            <a:off x="3352800" y="0"/>
+            <a:ext cx="5486400" cy="6858000"/>
+          </a:xfrm>
+          <a:prstGeom prst="rect">
+            <a:avLst/>
+          </a:prstGeom>
+        </p:spPr>
+      </p:pic>
     </p:spTree>
     <p:extLst>
       <p:ext uri="{BB962C8B-B14F-4D97-AF65-F5344CB8AC3E}">
@@ -6528,6 +7018,513 @@
   <p:clrMapOvr>
     <a:masterClrMapping/>
   </p:clrMapOvr>
+  <p:timing>
+    <p:tnLst>
+      <p:par>
+        <p:cTn id="1" dur="indefinite" restart="never" nodeType="tmRoot">
+          <p:childTnLst>
+            <p:seq concurrent="1" nextAc="seek">
+              <p:cTn id="2" dur="indefinite" nodeType="mainSeq">
+                <p:childTnLst>
+                  <p:par>
+                    <p:cTn id="3" fill="hold">
+                      <p:stCondLst>
+                        <p:cond delay="indefinite"/>
+                      </p:stCondLst>
+                      <p:childTnLst>
+                        <p:par>
+                          <p:cTn id="4" fill="hold">
+                            <p:stCondLst>
+                              <p:cond delay="0"/>
+                            </p:stCondLst>
+                            <p:childTnLst>
+                              <p:par>
+                                <p:cTn id="5" presetID="4" presetClass="entr" presetSubtype="16" fill="hold" nodeType="clickEffect">
+                                  <p:stCondLst>
+                                    <p:cond delay="0"/>
+                                  </p:stCondLst>
+                                  <p:childTnLst>
+                                    <p:set>
+                                      <p:cBhvr>
+                                        <p:cTn id="6" dur="1" fill="hold">
+                                          <p:stCondLst>
+                                            <p:cond delay="0"/>
+                                          </p:stCondLst>
+                                        </p:cTn>
+                                        <p:tgtEl>
+                                          <p:spTgt spid="9"/>
+                                        </p:tgtEl>
+                                        <p:attrNameLst>
+                                          <p:attrName>style.visibility</p:attrName>
+                                        </p:attrNameLst>
+                                      </p:cBhvr>
+                                      <p:to>
+                                        <p:strVal val="visible"/>
+                                      </p:to>
+                                    </p:set>
+                                    <p:animEffect transition="in" filter="box(in)">
+                                      <p:cBhvr>
+                                        <p:cTn id="7" dur="500"/>
+                                        <p:tgtEl>
+                                          <p:spTgt spid="9"/>
+                                        </p:tgtEl>
+                                      </p:cBhvr>
+                                    </p:animEffect>
+                                  </p:childTnLst>
+                                </p:cTn>
+                              </p:par>
+                            </p:childTnLst>
+                          </p:cTn>
+                        </p:par>
+                      </p:childTnLst>
+                    </p:cTn>
+                  </p:par>
+                  <p:par>
+                    <p:cTn id="8" fill="hold">
+                      <p:stCondLst>
+                        <p:cond delay="indefinite"/>
+                      </p:stCondLst>
+                      <p:childTnLst>
+                        <p:par>
+                          <p:cTn id="9" fill="hold">
+                            <p:stCondLst>
+                              <p:cond delay="0"/>
+                            </p:stCondLst>
+                            <p:childTnLst>
+                              <p:par>
+                                <p:cTn id="10" presetID="4" presetClass="entr" presetSubtype="16" fill="hold" nodeType="clickEffect">
+                                  <p:stCondLst>
+                                    <p:cond delay="0"/>
+                                  </p:stCondLst>
+                                  <p:childTnLst>
+                                    <p:set>
+                                      <p:cBhvr>
+                                        <p:cTn id="11" dur="1" fill="hold">
+                                          <p:stCondLst>
+                                            <p:cond delay="0"/>
+                                          </p:stCondLst>
+                                        </p:cTn>
+                                        <p:tgtEl>
+                                          <p:spTgt spid="12"/>
+                                        </p:tgtEl>
+                                        <p:attrNameLst>
+                                          <p:attrName>style.visibility</p:attrName>
+                                        </p:attrNameLst>
+                                      </p:cBhvr>
+                                      <p:to>
+                                        <p:strVal val="visible"/>
+                                      </p:to>
+                                    </p:set>
+                                    <p:animEffect transition="in" filter="box(in)">
+                                      <p:cBhvr>
+                                        <p:cTn id="12" dur="500"/>
+                                        <p:tgtEl>
+                                          <p:spTgt spid="12"/>
+                                        </p:tgtEl>
+                                      </p:cBhvr>
+                                    </p:animEffect>
+                                  </p:childTnLst>
+                                </p:cTn>
+                              </p:par>
+                            </p:childTnLst>
+                          </p:cTn>
+                        </p:par>
+                      </p:childTnLst>
+                    </p:cTn>
+                  </p:par>
+                  <p:par>
+                    <p:cTn id="13" fill="hold">
+                      <p:stCondLst>
+                        <p:cond delay="indefinite"/>
+                      </p:stCondLst>
+                      <p:childTnLst>
+                        <p:par>
+                          <p:cTn id="14" fill="hold">
+                            <p:stCondLst>
+                              <p:cond delay="0"/>
+                            </p:stCondLst>
+                            <p:childTnLst>
+                              <p:par>
+                                <p:cTn id="15" presetID="4" presetClass="entr" presetSubtype="16" fill="hold" nodeType="clickEffect">
+                                  <p:stCondLst>
+                                    <p:cond delay="0"/>
+                                  </p:stCondLst>
+                                  <p:childTnLst>
+                                    <p:set>
+                                      <p:cBhvr>
+                                        <p:cTn id="16" dur="1" fill="hold">
+                                          <p:stCondLst>
+                                            <p:cond delay="0"/>
+                                          </p:stCondLst>
+                                        </p:cTn>
+                                        <p:tgtEl>
+                                          <p:spTgt spid="11"/>
+                                        </p:tgtEl>
+                                        <p:attrNameLst>
+                                          <p:attrName>style.visibility</p:attrName>
+                                        </p:attrNameLst>
+                                      </p:cBhvr>
+                                      <p:to>
+                                        <p:strVal val="visible"/>
+                                      </p:to>
+                                    </p:set>
+                                    <p:animEffect transition="in" filter="box(in)">
+                                      <p:cBhvr>
+                                        <p:cTn id="17" dur="500"/>
+                                        <p:tgtEl>
+                                          <p:spTgt spid="11"/>
+                                        </p:tgtEl>
+                                      </p:cBhvr>
+                                    </p:animEffect>
+                                  </p:childTnLst>
+                                </p:cTn>
+                              </p:par>
+                            </p:childTnLst>
+                          </p:cTn>
+                        </p:par>
+                      </p:childTnLst>
+                    </p:cTn>
+                  </p:par>
+                  <p:par>
+                    <p:cTn id="18" fill="hold">
+                      <p:stCondLst>
+                        <p:cond delay="indefinite"/>
+                      </p:stCondLst>
+                      <p:childTnLst>
+                        <p:par>
+                          <p:cTn id="19" fill="hold">
+                            <p:stCondLst>
+                              <p:cond delay="0"/>
+                            </p:stCondLst>
+                            <p:childTnLst>
+                              <p:par>
+                                <p:cTn id="20" presetID="4" presetClass="entr" presetSubtype="16" fill="hold" nodeType="clickEffect">
+                                  <p:stCondLst>
+                                    <p:cond delay="0"/>
+                                  </p:stCondLst>
+                                  <p:childTnLst>
+                                    <p:set>
+                                      <p:cBhvr>
+                                        <p:cTn id="21" dur="1" fill="hold">
+                                          <p:stCondLst>
+                                            <p:cond delay="0"/>
+                                          </p:stCondLst>
+                                        </p:cTn>
+                                        <p:tgtEl>
+                                          <p:spTgt spid="10"/>
+                                        </p:tgtEl>
+                                        <p:attrNameLst>
+                                          <p:attrName>style.visibility</p:attrName>
+                                        </p:attrNameLst>
+                                      </p:cBhvr>
+                                      <p:to>
+                                        <p:strVal val="visible"/>
+                                      </p:to>
+                                    </p:set>
+                                    <p:animEffect transition="in" filter="box(in)">
+                                      <p:cBhvr>
+                                        <p:cTn id="22" dur="500"/>
+                                        <p:tgtEl>
+                                          <p:spTgt spid="10"/>
+                                        </p:tgtEl>
+                                      </p:cBhvr>
+                                    </p:animEffect>
+                                  </p:childTnLst>
+                                </p:cTn>
+                              </p:par>
+                            </p:childTnLst>
+                          </p:cTn>
+                        </p:par>
+                      </p:childTnLst>
+                    </p:cTn>
+                  </p:par>
+                  <p:par>
+                    <p:cTn id="23" fill="hold">
+                      <p:stCondLst>
+                        <p:cond delay="indefinite"/>
+                      </p:stCondLst>
+                      <p:childTnLst>
+                        <p:par>
+                          <p:cTn id="24" fill="hold">
+                            <p:stCondLst>
+                              <p:cond delay="0"/>
+                            </p:stCondLst>
+                            <p:childTnLst>
+                              <p:par>
+                                <p:cTn id="25" presetID="4" presetClass="entr" presetSubtype="16" fill="hold" nodeType="clickEffect">
+                                  <p:stCondLst>
+                                    <p:cond delay="0"/>
+                                  </p:stCondLst>
+                                  <p:childTnLst>
+                                    <p:set>
+                                      <p:cBhvr>
+                                        <p:cTn id="26" dur="1" fill="hold">
+                                          <p:stCondLst>
+                                            <p:cond delay="0"/>
+                                          </p:stCondLst>
+                                        </p:cTn>
+                                        <p:tgtEl>
+                                          <p:spTgt spid="13"/>
+                                        </p:tgtEl>
+                                        <p:attrNameLst>
+                                          <p:attrName>style.visibility</p:attrName>
+                                        </p:attrNameLst>
+                                      </p:cBhvr>
+                                      <p:to>
+                                        <p:strVal val="visible"/>
+                                      </p:to>
+                                    </p:set>
+                                    <p:animEffect transition="in" filter="box(in)">
+                                      <p:cBhvr>
+                                        <p:cTn id="27" dur="500"/>
+                                        <p:tgtEl>
+                                          <p:spTgt spid="13"/>
+                                        </p:tgtEl>
+                                      </p:cBhvr>
+                                    </p:animEffect>
+                                  </p:childTnLst>
+                                </p:cTn>
+                              </p:par>
+                            </p:childTnLst>
+                          </p:cTn>
+                        </p:par>
+                      </p:childTnLst>
+                    </p:cTn>
+                  </p:par>
+                  <p:par>
+                    <p:cTn id="28" fill="hold">
+                      <p:stCondLst>
+                        <p:cond delay="indefinite"/>
+                      </p:stCondLst>
+                      <p:childTnLst>
+                        <p:par>
+                          <p:cTn id="29" fill="hold">
+                            <p:stCondLst>
+                              <p:cond delay="0"/>
+                            </p:stCondLst>
+                            <p:childTnLst>
+                              <p:par>
+                                <p:cTn id="30" presetID="4" presetClass="entr" presetSubtype="16" fill="hold" nodeType="clickEffect">
+                                  <p:stCondLst>
+                                    <p:cond delay="0"/>
+                                  </p:stCondLst>
+                                  <p:childTnLst>
+                                    <p:set>
+                                      <p:cBhvr>
+                                        <p:cTn id="31" dur="1" fill="hold">
+                                          <p:stCondLst>
+                                            <p:cond delay="0"/>
+                                          </p:stCondLst>
+                                        </p:cTn>
+                                        <p:tgtEl>
+                                          <p:spTgt spid="14"/>
+                                        </p:tgtEl>
+                                        <p:attrNameLst>
+                                          <p:attrName>style.visibility</p:attrName>
+                                        </p:attrNameLst>
+                                      </p:cBhvr>
+                                      <p:to>
+                                        <p:strVal val="visible"/>
+                                      </p:to>
+                                    </p:set>
+                                    <p:animEffect transition="in" filter="box(in)">
+                                      <p:cBhvr>
+                                        <p:cTn id="32" dur="500"/>
+                                        <p:tgtEl>
+                                          <p:spTgt spid="14"/>
+                                        </p:tgtEl>
+                                      </p:cBhvr>
+                                    </p:animEffect>
+                                  </p:childTnLst>
+                                </p:cTn>
+                              </p:par>
+                            </p:childTnLst>
+                          </p:cTn>
+                        </p:par>
+                      </p:childTnLst>
+                    </p:cTn>
+                  </p:par>
+                  <p:par>
+                    <p:cTn id="33" fill="hold">
+                      <p:stCondLst>
+                        <p:cond delay="indefinite"/>
+                      </p:stCondLst>
+                      <p:childTnLst>
+                        <p:par>
+                          <p:cTn id="34" fill="hold">
+                            <p:stCondLst>
+                              <p:cond delay="0"/>
+                            </p:stCondLst>
+                            <p:childTnLst>
+                              <p:par>
+                                <p:cTn id="35" presetID="4" presetClass="entr" presetSubtype="16" fill="hold" nodeType="clickEffect">
+                                  <p:stCondLst>
+                                    <p:cond delay="0"/>
+                                  </p:stCondLst>
+                                  <p:childTnLst>
+                                    <p:set>
+                                      <p:cBhvr>
+                                        <p:cTn id="36" dur="1" fill="hold">
+                                          <p:stCondLst>
+                                            <p:cond delay="0"/>
+                                          </p:stCondLst>
+                                        </p:cTn>
+                                        <p:tgtEl>
+                                          <p:spTgt spid="15"/>
+                                        </p:tgtEl>
+                                        <p:attrNameLst>
+                                          <p:attrName>style.visibility</p:attrName>
+                                        </p:attrNameLst>
+                                      </p:cBhvr>
+                                      <p:to>
+                                        <p:strVal val="visible"/>
+                                      </p:to>
+                                    </p:set>
+                                    <p:animEffect transition="in" filter="box(in)">
+                                      <p:cBhvr>
+                                        <p:cTn id="37" dur="500"/>
+                                        <p:tgtEl>
+                                          <p:spTgt spid="15"/>
+                                        </p:tgtEl>
+                                      </p:cBhvr>
+                                    </p:animEffect>
+                                  </p:childTnLst>
+                                </p:cTn>
+                              </p:par>
+                            </p:childTnLst>
+                          </p:cTn>
+                        </p:par>
+                      </p:childTnLst>
+                    </p:cTn>
+                  </p:par>
+                  <p:par>
+                    <p:cTn id="38" fill="hold">
+                      <p:stCondLst>
+                        <p:cond delay="indefinite"/>
+                      </p:stCondLst>
+                      <p:childTnLst>
+                        <p:par>
+                          <p:cTn id="39" fill="hold">
+                            <p:stCondLst>
+                              <p:cond delay="0"/>
+                            </p:stCondLst>
+                            <p:childTnLst>
+                              <p:par>
+                                <p:cTn id="40" presetID="4" presetClass="entr" presetSubtype="16" fill="hold" nodeType="clickEffect">
+                                  <p:stCondLst>
+                                    <p:cond delay="0"/>
+                                  </p:stCondLst>
+                                  <p:childTnLst>
+                                    <p:set>
+                                      <p:cBhvr>
+                                        <p:cTn id="41" dur="1" fill="hold">
+                                          <p:stCondLst>
+                                            <p:cond delay="0"/>
+                                          </p:stCondLst>
+                                        </p:cTn>
+                                        <p:tgtEl>
+                                          <p:spTgt spid="17"/>
+                                        </p:tgtEl>
+                                        <p:attrNameLst>
+                                          <p:attrName>style.visibility</p:attrName>
+                                        </p:attrNameLst>
+                                      </p:cBhvr>
+                                      <p:to>
+                                        <p:strVal val="visible"/>
+                                      </p:to>
+                                    </p:set>
+                                    <p:animEffect transition="in" filter="box(in)">
+                                      <p:cBhvr>
+                                        <p:cTn id="42" dur="500"/>
+                                        <p:tgtEl>
+                                          <p:spTgt spid="17"/>
+                                        </p:tgtEl>
+                                      </p:cBhvr>
+                                    </p:animEffect>
+                                  </p:childTnLst>
+                                </p:cTn>
+                              </p:par>
+                            </p:childTnLst>
+                          </p:cTn>
+                        </p:par>
+                      </p:childTnLst>
+                    </p:cTn>
+                  </p:par>
+                  <p:par>
+                    <p:cTn id="43" fill="hold">
+                      <p:stCondLst>
+                        <p:cond delay="indefinite"/>
+                      </p:stCondLst>
+                      <p:childTnLst>
+                        <p:par>
+                          <p:cTn id="44" fill="hold">
+                            <p:stCondLst>
+                              <p:cond delay="0"/>
+                            </p:stCondLst>
+                            <p:childTnLst>
+                              <p:par>
+                                <p:cTn id="45" presetID="4" presetClass="entr" presetSubtype="16" fill="hold" nodeType="clickEffect">
+                                  <p:stCondLst>
+                                    <p:cond delay="0"/>
+                                  </p:stCondLst>
+                                  <p:childTnLst>
+                                    <p:set>
+                                      <p:cBhvr>
+                                        <p:cTn id="46" dur="1" fill="hold">
+                                          <p:stCondLst>
+                                            <p:cond delay="0"/>
+                                          </p:stCondLst>
+                                        </p:cTn>
+                                        <p:tgtEl>
+                                          <p:spTgt spid="18"/>
+                                        </p:tgtEl>
+                                        <p:attrNameLst>
+                                          <p:attrName>style.visibility</p:attrName>
+                                        </p:attrNameLst>
+                                      </p:cBhvr>
+                                      <p:to>
+                                        <p:strVal val="visible"/>
+                                      </p:to>
+                                    </p:set>
+                                    <p:animEffect transition="in" filter="box(in)">
+                                      <p:cBhvr>
+                                        <p:cTn id="47" dur="500"/>
+                                        <p:tgtEl>
+                                          <p:spTgt spid="18"/>
+                                        </p:tgtEl>
+                                      </p:cBhvr>
+                                    </p:animEffect>
+                                  </p:childTnLst>
+                                </p:cTn>
+                              </p:par>
+                            </p:childTnLst>
+                          </p:cTn>
+                        </p:par>
+                      </p:childTnLst>
+                    </p:cTn>
+                  </p:par>
+                </p:childTnLst>
+              </p:cTn>
+              <p:prevCondLst>
+                <p:cond evt="onPrev" delay="0">
+                  <p:tgtEl>
+                    <p:sldTgt/>
+                  </p:tgtEl>
+                </p:cond>
+              </p:prevCondLst>
+              <p:nextCondLst>
+                <p:cond evt="onNext" delay="0">
+                  <p:tgtEl>
+                    <p:sldTgt/>
+                  </p:tgtEl>
+                </p:cond>
+              </p:nextCondLst>
+            </p:seq>
+          </p:childTnLst>
+        </p:cTn>
+      </p:par>
+    </p:tnLst>
+  </p:timing>
 </p:sld>
 </file>
 
@@ -6604,7 +7601,7 @@
                   <a:schemeClr val="bg1"/>
                 </a:solidFill>
               </a:rPr>
-              <a:t>1</a:t>
+              <a:t>6</a:t>
             </a:r>
             <a:endParaRPr lang="pt-BR" b="1" dirty="0">
               <a:solidFill>
@@ -6624,17 +7621,90 @@
             <p:ph type="ctrTitle"/>
           </p:nvPr>
         </p:nvSpPr>
-        <p:spPr/>
-        <p:txBody>
-          <a:bodyPr/>
+        <p:spPr>
+          <a:xfrm>
+            <a:off x="0" y="585215"/>
+            <a:ext cx="12192000" cy="940165"/>
+          </a:xfrm>
+        </p:spPr>
+        <p:txBody>
+          <a:bodyPr>
+            <a:normAutofit/>
+          </a:bodyPr>
           <a:lstStyle/>
           <a:p>
             <a:pPr algn="ctr"/>
             <a:r>
               <a:rPr lang="pt-BR" dirty="0" smtClean="0"/>
-              <a:t>Muito obrigado!</a:t>
+              <a:t>PESQUISAS E EXPERIMENTAÇÕES</a:t>
             </a:r>
             <a:endParaRPr lang="pt-BR" dirty="0"/>
+          </a:p>
+        </p:txBody>
+      </p:sp>
+      <p:sp>
+        <p:nvSpPr>
+          <p:cNvPr id="8" name="CaixaDeTexto 7"/>
+          <p:cNvSpPr txBox="1"/>
+          <p:nvPr/>
+        </p:nvSpPr>
+        <p:spPr>
+          <a:xfrm>
+            <a:off x="566928" y="1664208"/>
+            <a:ext cx="11625072" cy="3831818"/>
+          </a:xfrm>
+          <a:prstGeom prst="rect">
+            <a:avLst/>
+          </a:prstGeom>
+          <a:noFill/>
+        </p:spPr>
+        <p:txBody>
+          <a:bodyPr wrap="square" rtlCol="0">
+            <a:spAutoFit/>
+          </a:bodyPr>
+          <a:lstStyle/>
+          <a:p>
+            <a:r>
+              <a:rPr lang="pt-BR" sz="2700" dirty="0" smtClean="0"/>
+              <a:t>MERCADO</a:t>
+            </a:r>
+          </a:p>
+          <a:p>
+            <a:endParaRPr lang="pt-BR" sz="2700" dirty="0" smtClean="0"/>
+          </a:p>
+          <a:p>
+            <a:r>
+              <a:rPr lang="pt-BR" sz="2700" dirty="0" smtClean="0"/>
+              <a:t>IDIOMAS</a:t>
+            </a:r>
+          </a:p>
+          <a:p>
+            <a:endParaRPr lang="pt-BR" sz="2700" dirty="0" smtClean="0"/>
+          </a:p>
+          <a:p>
+            <a:r>
+              <a:rPr lang="pt-BR" sz="2700" dirty="0" smtClean="0"/>
+              <a:t>BALCÃO DE PROJETOS</a:t>
+            </a:r>
+          </a:p>
+          <a:p>
+            <a:endParaRPr lang="pt-BR" sz="2700" dirty="0" smtClean="0"/>
+          </a:p>
+          <a:p>
+            <a:r>
+              <a:rPr lang="pt-BR" sz="2700" dirty="0" smtClean="0"/>
+              <a:t>NICHOS – USO PROFISSIONAL</a:t>
+            </a:r>
+          </a:p>
+          <a:p>
+            <a:endParaRPr lang="pt-BR" sz="2700" dirty="0" smtClean="0"/>
+          </a:p>
+          <a:p>
+            <a:r>
+              <a:rPr lang="pt-BR" sz="2700" dirty="0" smtClean="0"/>
+              <a:t>CONCORRÊNCIA INDIRETA</a:t>
+            </a:r>
+            <a:endParaRPr lang="pt-BR" sz="2700" dirty="0" smtClean="0"/>
           </a:p>
         </p:txBody>
       </p:sp>
@@ -6648,6 +7718,388 @@
   <p:clrMapOvr>
     <a:masterClrMapping/>
   </p:clrMapOvr>
+  <p:timing>
+    <p:tnLst>
+      <p:par>
+        <p:cTn id="1" dur="indefinite" restart="never" nodeType="tmRoot"/>
+      </p:par>
+    </p:tnLst>
+  </p:timing>
+</p:sld>
+</file>
+
+<file path=ppt/slides/slide8.xml><?xml version="1.0" encoding="utf-8"?>
+<p:sld xmlns:a="http://schemas.openxmlformats.org/drawingml/2006/main" xmlns:r="http://schemas.openxmlformats.org/officeDocument/2006/relationships" xmlns:p="http://schemas.openxmlformats.org/presentationml/2006/main">
+  <p:cSld>
+    <p:spTree>
+      <p:nvGrpSpPr>
+        <p:cNvPr id="1" name=""/>
+        <p:cNvGrpSpPr/>
+        <p:nvPr/>
+      </p:nvGrpSpPr>
+      <p:grpSpPr>
+        <a:xfrm>
+          <a:off x="0" y="0"/>
+          <a:ext cx="0" cy="0"/>
+          <a:chOff x="0" y="0"/>
+          <a:chExt cx="0" cy="0"/>
+        </a:xfrm>
+      </p:grpSpPr>
+      <p:pic>
+        <p:nvPicPr>
+          <p:cNvPr id="4" name="Imagem 3" descr="Logo Gallery Search cor.png"/>
+          <p:cNvPicPr>
+            <a:picLocks noChangeAspect="1"/>
+          </p:cNvPicPr>
+          <p:nvPr/>
+        </p:nvPicPr>
+        <p:blipFill>
+          <a:blip r:embed="rId2">
+            <a:lum/>
+          </a:blip>
+          <a:stretch>
+            <a:fillRect/>
+          </a:stretch>
+        </p:blipFill>
+        <p:spPr>
+          <a:xfrm>
+            <a:off x="10700658" y="5366658"/>
+            <a:ext cx="1491342" cy="1491342"/>
+          </a:xfrm>
+          <a:prstGeom prst="rect">
+            <a:avLst/>
+          </a:prstGeom>
+          <a:noFill/>
+        </p:spPr>
+      </p:pic>
+      <p:sp>
+        <p:nvSpPr>
+          <p:cNvPr id="5" name="CaixaDeTexto 4"/>
+          <p:cNvSpPr txBox="1"/>
+          <p:nvPr/>
+        </p:nvSpPr>
+        <p:spPr>
+          <a:xfrm>
+            <a:off x="11190514" y="5932714"/>
+            <a:ext cx="533400" cy="369332"/>
+          </a:xfrm>
+          <a:prstGeom prst="rect">
+            <a:avLst/>
+          </a:prstGeom>
+          <a:noFill/>
+        </p:spPr>
+        <p:txBody>
+          <a:bodyPr wrap="square" rtlCol="0">
+            <a:spAutoFit/>
+          </a:bodyPr>
+          <a:lstStyle/>
+          <a:p>
+            <a:pPr algn="ctr"/>
+            <a:r>
+              <a:rPr lang="pt-BR" b="1" dirty="0" smtClean="0">
+                <a:solidFill>
+                  <a:schemeClr val="bg1"/>
+                </a:solidFill>
+              </a:rPr>
+              <a:t>7</a:t>
+            </a:r>
+            <a:endParaRPr lang="pt-BR" b="1" dirty="0">
+              <a:solidFill>
+                <a:schemeClr val="bg1"/>
+              </a:solidFill>
+            </a:endParaRPr>
+          </a:p>
+        </p:txBody>
+      </p:sp>
+      <p:sp>
+        <p:nvSpPr>
+          <p:cNvPr id="6" name="Título 5"/>
+          <p:cNvSpPr>
+            <a:spLocks noGrp="1"/>
+          </p:cNvSpPr>
+          <p:nvPr>
+            <p:ph type="ctrTitle"/>
+          </p:nvPr>
+        </p:nvSpPr>
+        <p:spPr>
+          <a:xfrm>
+            <a:off x="0" y="585215"/>
+            <a:ext cx="12192000" cy="940165"/>
+          </a:xfrm>
+        </p:spPr>
+        <p:txBody>
+          <a:bodyPr>
+            <a:normAutofit/>
+          </a:bodyPr>
+          <a:lstStyle/>
+          <a:p>
+            <a:pPr algn="ctr"/>
+            <a:r>
+              <a:rPr lang="pt-BR" dirty="0" smtClean="0"/>
+              <a:t>COMERCIAL - VIABILIDADE</a:t>
+            </a:r>
+            <a:endParaRPr lang="pt-BR" dirty="0"/>
+          </a:p>
+        </p:txBody>
+      </p:sp>
+      <p:sp>
+        <p:nvSpPr>
+          <p:cNvPr id="8" name="CaixaDeTexto 7"/>
+          <p:cNvSpPr txBox="1"/>
+          <p:nvPr/>
+        </p:nvSpPr>
+        <p:spPr>
+          <a:xfrm>
+            <a:off x="566928" y="1664208"/>
+            <a:ext cx="11625072" cy="3416320"/>
+          </a:xfrm>
+          <a:prstGeom prst="rect">
+            <a:avLst/>
+          </a:prstGeom>
+          <a:noFill/>
+        </p:spPr>
+        <p:txBody>
+          <a:bodyPr wrap="square" rtlCol="0">
+            <a:spAutoFit/>
+          </a:bodyPr>
+          <a:lstStyle/>
+          <a:p>
+            <a:r>
+              <a:rPr lang="pt-BR" sz="2700" dirty="0" smtClean="0"/>
+              <a:t>BOA ACEITAÇÃO DO PÚBLICO</a:t>
+            </a:r>
+          </a:p>
+          <a:p>
+            <a:endParaRPr lang="pt-BR" sz="2700" dirty="0" smtClean="0"/>
+          </a:p>
+          <a:p>
+            <a:r>
+              <a:rPr lang="pt-BR" sz="2700" dirty="0" smtClean="0"/>
+              <a:t>RETROCOMPATIBILIDADE</a:t>
+            </a:r>
+          </a:p>
+          <a:p>
+            <a:endParaRPr lang="pt-BR" sz="2700" dirty="0" smtClean="0"/>
+          </a:p>
+          <a:p>
+            <a:r>
+              <a:rPr lang="pt-BR" sz="2700" dirty="0" smtClean="0"/>
+              <a:t>INTERNACIONALIZAÇÃO</a:t>
+            </a:r>
+          </a:p>
+          <a:p>
+            <a:endParaRPr lang="pt-BR" sz="2700" dirty="0" smtClean="0"/>
+          </a:p>
+          <a:p>
+            <a:r>
+              <a:rPr lang="pt-BR" sz="2700" dirty="0" smtClean="0"/>
+              <a:t>BAIXO CUSTO INICIAL E DE MANUTENÇÃO</a:t>
+            </a:r>
+          </a:p>
+          <a:p>
+            <a:endParaRPr lang="pt-BR" sz="2700" dirty="0" smtClean="0"/>
+          </a:p>
+        </p:txBody>
+      </p:sp>
+    </p:spTree>
+    <p:extLst>
+      <p:ext uri="{BB962C8B-B14F-4D97-AF65-F5344CB8AC3E}">
+        <p14:creationId xmlns="" xmlns:p14="http://schemas.microsoft.com/office/powerpoint/2010/main" val="3402371617"/>
+      </p:ext>
+    </p:extLst>
+  </p:cSld>
+  <p:clrMapOvr>
+    <a:masterClrMapping/>
+  </p:clrMapOvr>
+  <p:timing>
+    <p:tnLst>
+      <p:par>
+        <p:cTn id="1" dur="indefinite" restart="never" nodeType="tmRoot"/>
+      </p:par>
+    </p:tnLst>
+  </p:timing>
+</p:sld>
+</file>
+
+<file path=ppt/slides/slide9.xml><?xml version="1.0" encoding="utf-8"?>
+<p:sld xmlns:a="http://schemas.openxmlformats.org/drawingml/2006/main" xmlns:r="http://schemas.openxmlformats.org/officeDocument/2006/relationships" xmlns:p="http://schemas.openxmlformats.org/presentationml/2006/main">
+  <p:cSld>
+    <p:spTree>
+      <p:nvGrpSpPr>
+        <p:cNvPr id="1" name=""/>
+        <p:cNvGrpSpPr/>
+        <p:nvPr/>
+      </p:nvGrpSpPr>
+      <p:grpSpPr>
+        <a:xfrm>
+          <a:off x="0" y="0"/>
+          <a:ext cx="0" cy="0"/>
+          <a:chOff x="0" y="0"/>
+          <a:chExt cx="0" cy="0"/>
+        </a:xfrm>
+      </p:grpSpPr>
+      <p:pic>
+        <p:nvPicPr>
+          <p:cNvPr id="4" name="Imagem 3" descr="Logo Gallery Search cor.png"/>
+          <p:cNvPicPr>
+            <a:picLocks noChangeAspect="1"/>
+          </p:cNvPicPr>
+          <p:nvPr/>
+        </p:nvPicPr>
+        <p:blipFill>
+          <a:blip r:embed="rId2">
+            <a:lum/>
+          </a:blip>
+          <a:stretch>
+            <a:fillRect/>
+          </a:stretch>
+        </p:blipFill>
+        <p:spPr>
+          <a:xfrm>
+            <a:off x="10700658" y="5366658"/>
+            <a:ext cx="1491342" cy="1491342"/>
+          </a:xfrm>
+          <a:prstGeom prst="rect">
+            <a:avLst/>
+          </a:prstGeom>
+          <a:noFill/>
+        </p:spPr>
+      </p:pic>
+      <p:sp>
+        <p:nvSpPr>
+          <p:cNvPr id="5" name="CaixaDeTexto 4"/>
+          <p:cNvSpPr txBox="1"/>
+          <p:nvPr/>
+        </p:nvSpPr>
+        <p:spPr>
+          <a:xfrm>
+            <a:off x="11190514" y="5932714"/>
+            <a:ext cx="533400" cy="369332"/>
+          </a:xfrm>
+          <a:prstGeom prst="rect">
+            <a:avLst/>
+          </a:prstGeom>
+          <a:noFill/>
+        </p:spPr>
+        <p:txBody>
+          <a:bodyPr wrap="square" rtlCol="0">
+            <a:spAutoFit/>
+          </a:bodyPr>
+          <a:lstStyle/>
+          <a:p>
+            <a:pPr algn="ctr"/>
+            <a:r>
+              <a:rPr lang="pt-BR" b="1" dirty="0" smtClean="0">
+                <a:solidFill>
+                  <a:schemeClr val="bg1"/>
+                </a:solidFill>
+              </a:rPr>
+              <a:t>8</a:t>
+            </a:r>
+            <a:endParaRPr lang="pt-BR" b="1" dirty="0">
+              <a:solidFill>
+                <a:schemeClr val="bg1"/>
+              </a:solidFill>
+            </a:endParaRPr>
+          </a:p>
+        </p:txBody>
+      </p:sp>
+      <p:sp>
+        <p:nvSpPr>
+          <p:cNvPr id="6" name="Título 5"/>
+          <p:cNvSpPr>
+            <a:spLocks noGrp="1"/>
+          </p:cNvSpPr>
+          <p:nvPr>
+            <p:ph type="ctrTitle"/>
+          </p:nvPr>
+        </p:nvSpPr>
+        <p:spPr>
+          <a:xfrm>
+            <a:off x="0" y="585215"/>
+            <a:ext cx="12192000" cy="940165"/>
+          </a:xfrm>
+        </p:spPr>
+        <p:txBody>
+          <a:bodyPr>
+            <a:normAutofit/>
+          </a:bodyPr>
+          <a:lstStyle/>
+          <a:p>
+            <a:pPr algn="ctr"/>
+            <a:r>
+              <a:rPr lang="pt-BR" dirty="0" smtClean="0"/>
+              <a:t>COMERCIAL – RENTABILIDADE</a:t>
+            </a:r>
+            <a:endParaRPr lang="pt-BR" dirty="0"/>
+          </a:p>
+        </p:txBody>
+      </p:sp>
+      <p:sp>
+        <p:nvSpPr>
+          <p:cNvPr id="8" name="CaixaDeTexto 7"/>
+          <p:cNvSpPr txBox="1"/>
+          <p:nvPr/>
+        </p:nvSpPr>
+        <p:spPr>
+          <a:xfrm>
+            <a:off x="566928" y="1664208"/>
+            <a:ext cx="11625072" cy="2169825"/>
+          </a:xfrm>
+          <a:prstGeom prst="rect">
+            <a:avLst/>
+          </a:prstGeom>
+          <a:noFill/>
+        </p:spPr>
+        <p:txBody>
+          <a:bodyPr wrap="square" rtlCol="0">
+            <a:spAutoFit/>
+          </a:bodyPr>
+          <a:lstStyle/>
+          <a:p>
+            <a:r>
+              <a:rPr lang="pt-BR" sz="2700" dirty="0" smtClean="0"/>
+              <a:t>VENDA DO APP</a:t>
+            </a:r>
+          </a:p>
+          <a:p>
+            <a:endParaRPr lang="pt-BR" sz="2700" dirty="0" smtClean="0"/>
+          </a:p>
+          <a:p>
+            <a:r>
+              <a:rPr lang="pt-BR" sz="2700" dirty="0" smtClean="0"/>
+              <a:t>PROPAGANDAS DENTRO DO APP – Mercado norte americano</a:t>
+            </a:r>
+          </a:p>
+          <a:p>
+            <a:endParaRPr lang="pt-BR" sz="2700" dirty="0" smtClean="0"/>
+          </a:p>
+          <a:p>
+            <a:r>
+              <a:rPr lang="pt-BR" sz="2700" dirty="0" smtClean="0"/>
+              <a:t>PROPAGANDAS E PARCERIAS</a:t>
+            </a:r>
+            <a:endParaRPr lang="pt-BR" sz="2700" dirty="0" smtClean="0"/>
+          </a:p>
+        </p:txBody>
+      </p:sp>
+    </p:spTree>
+    <p:extLst>
+      <p:ext uri="{BB962C8B-B14F-4D97-AF65-F5344CB8AC3E}">
+        <p14:creationId xmlns="" xmlns:p14="http://schemas.microsoft.com/office/powerpoint/2010/main" val="3402371617"/>
+      </p:ext>
+    </p:extLst>
+  </p:cSld>
+  <p:clrMapOvr>
+    <a:masterClrMapping/>
+  </p:clrMapOvr>
+  <p:timing>
+    <p:tnLst>
+      <p:par>
+        <p:cTn id="1" dur="indefinite" restart="never" nodeType="tmRoot"/>
+      </p:par>
+    </p:tnLst>
+  </p:timing>
 </p:sld>
 </file>
 

--- a/docs/apresentação tcc.pptx
+++ b/docs/apresentação tcc.pptx
@@ -116,7 +116,7 @@
   </p:defaultTextStyle>
   <p:extLst>
     <p:ext uri="{EFAFB233-063F-42B5-8137-9DF3F51BA10A}">
-      <p15:sldGuideLst xmlns="" xmlns:p15="http://schemas.microsoft.com/office/powerpoint/2012/main"/>
+      <p15:sldGuideLst xmlns:p15="http://schemas.microsoft.com/office/powerpoint/2012/main" xmlns=""/>
     </p:ext>
   </p:extLst>
 </p:presentation>
@@ -151,7 +151,7 @@
           <a:blip r:embed="rId2">
             <a:extLst>
               <a:ext uri="{28A0092B-C50C-407E-A947-70E740481C1C}">
-                <a14:useLocalDpi xmlns="" xmlns:a14="http://schemas.microsoft.com/office/drawing/2010/main" val="0"/>
+                <a14:useLocalDpi xmlns:a14="http://schemas.microsoft.com/office/drawing/2010/main" xmlns="" val="0"/>
               </a:ext>
             </a:extLst>
           </a:blip>
@@ -643,7 +643,7 @@
           <a:blip r:embed="rId2">
             <a:extLst>
               <a:ext uri="{28A0092B-C50C-407E-A947-70E740481C1C}">
-                <a14:useLocalDpi xmlns="" xmlns:a14="http://schemas.microsoft.com/office/drawing/2010/main" val="0"/>
+                <a14:useLocalDpi xmlns:a14="http://schemas.microsoft.com/office/drawing/2010/main" xmlns="" val="0"/>
               </a:ext>
             </a:extLst>
           </a:blip>
@@ -881,7 +881,7 @@
           <a:blip r:embed="rId2">
             <a:extLst>
               <a:ext uri="{28A0092B-C50C-407E-A947-70E740481C1C}">
-                <a14:useLocalDpi xmlns="" xmlns:a14="http://schemas.microsoft.com/office/drawing/2010/main" val="0"/>
+                <a14:useLocalDpi xmlns:a14="http://schemas.microsoft.com/office/drawing/2010/main" xmlns="" val="0"/>
               </a:ext>
             </a:extLst>
           </a:blip>
@@ -1420,7 +1420,7 @@
           <a:blip r:embed="rId2">
             <a:extLst>
               <a:ext uri="{28A0092B-C50C-407E-A947-70E740481C1C}">
-                <a14:useLocalDpi xmlns="" xmlns:a14="http://schemas.microsoft.com/office/drawing/2010/main" val="0"/>
+                <a14:useLocalDpi xmlns:a14="http://schemas.microsoft.com/office/drawing/2010/main" xmlns="" val="0"/>
               </a:ext>
             </a:extLst>
           </a:blip>
@@ -3135,7 +3135,7 @@
           <a:blip r:embed="rId2">
             <a:extLst>
               <a:ext uri="{28A0092B-C50C-407E-A947-70E740481C1C}">
-                <a14:useLocalDpi xmlns="" xmlns:a14="http://schemas.microsoft.com/office/drawing/2010/main" val="0"/>
+                <a14:useLocalDpi xmlns:a14="http://schemas.microsoft.com/office/drawing/2010/main" xmlns="" val="0"/>
               </a:ext>
             </a:extLst>
           </a:blip>
@@ -3532,7 +3532,7 @@
           <a:blip r:embed="rId2">
             <a:extLst>
               <a:ext uri="{28A0092B-C50C-407E-A947-70E740481C1C}">
-                <a14:useLocalDpi xmlns="" xmlns:a14="http://schemas.microsoft.com/office/drawing/2010/main" val="0"/>
+                <a14:useLocalDpi xmlns:a14="http://schemas.microsoft.com/office/drawing/2010/main" xmlns="" val="0"/>
               </a:ext>
             </a:extLst>
           </a:blip>
@@ -5145,7 +5145,7 @@
           <a:blip r:embed="rId19">
             <a:extLst>
               <a:ext uri="{28A0092B-C50C-407E-A947-70E740481C1C}">
-                <a14:useLocalDpi xmlns="" xmlns:a14="http://schemas.microsoft.com/office/drawing/2010/main" val="0"/>
+                <a14:useLocalDpi xmlns:a14="http://schemas.microsoft.com/office/drawing/2010/main" xmlns="" val="0"/>
               </a:ext>
             </a:extLst>
           </a:blip>
@@ -5799,7 +5799,7 @@
     </p:spTree>
     <p:extLst>
       <p:ext uri="{BB962C8B-B14F-4D97-AF65-F5344CB8AC3E}">
-        <p14:creationId xmlns="" xmlns:p14="http://schemas.microsoft.com/office/powerpoint/2010/main" val="3402371617"/>
+        <p14:creationId xmlns:p14="http://schemas.microsoft.com/office/powerpoint/2010/main" xmlns="" val="3402371617"/>
       </p:ext>
     </p:extLst>
   </p:cSld>
@@ -5926,7 +5926,7 @@
     </p:spTree>
     <p:extLst>
       <p:ext uri="{BB962C8B-B14F-4D97-AF65-F5344CB8AC3E}">
-        <p14:creationId xmlns="" xmlns:p14="http://schemas.microsoft.com/office/powerpoint/2010/main" val="3402371617"/>
+        <p14:creationId xmlns:p14="http://schemas.microsoft.com/office/powerpoint/2010/main" xmlns="" val="3402371617"/>
       </p:ext>
     </p:extLst>
   </p:cSld>
@@ -6053,7 +6053,7 @@
     </p:spTree>
     <p:extLst>
       <p:ext uri="{BB962C8B-B14F-4D97-AF65-F5344CB8AC3E}">
-        <p14:creationId xmlns="" xmlns:p14="http://schemas.microsoft.com/office/powerpoint/2010/main" val="3402371617"/>
+        <p14:creationId xmlns:p14="http://schemas.microsoft.com/office/powerpoint/2010/main" xmlns="" val="3402371617"/>
       </p:ext>
     </p:extLst>
   </p:cSld>
@@ -6180,7 +6180,7 @@
     </p:spTree>
     <p:extLst>
       <p:ext uri="{BB962C8B-B14F-4D97-AF65-F5344CB8AC3E}">
-        <p14:creationId xmlns="" xmlns:p14="http://schemas.microsoft.com/office/powerpoint/2010/main" val="3402371617"/>
+        <p14:creationId xmlns:p14="http://schemas.microsoft.com/office/powerpoint/2010/main" xmlns="" val="3402371617"/>
       </p:ext>
     </p:extLst>
   </p:cSld>
@@ -6307,7 +6307,7 @@
     </p:spTree>
     <p:extLst>
       <p:ext uri="{BB962C8B-B14F-4D97-AF65-F5344CB8AC3E}">
-        <p14:creationId xmlns="" xmlns:p14="http://schemas.microsoft.com/office/powerpoint/2010/main" val="3402371617"/>
+        <p14:creationId xmlns:p14="http://schemas.microsoft.com/office/powerpoint/2010/main" xmlns="" val="3402371617"/>
       </p:ext>
     </p:extLst>
   </p:cSld>
@@ -6497,7 +6497,7 @@
     </p:spTree>
     <p:extLst>
       <p:ext uri="{BB962C8B-B14F-4D97-AF65-F5344CB8AC3E}">
-        <p14:creationId xmlns="" xmlns:p14="http://schemas.microsoft.com/office/powerpoint/2010/main" val="3402371617"/>
+        <p14:creationId xmlns:p14="http://schemas.microsoft.com/office/powerpoint/2010/main" xmlns="" val="3402371617"/>
       </p:ext>
     </p:extLst>
   </p:cSld>
@@ -6670,13 +6670,8 @@
           <a:p>
             <a:r>
               <a:rPr lang="pt-BR" sz="2700" dirty="0" smtClean="0"/>
-              <a:t>“ESPERA, TÔ PROCURANDO </a:t>
-            </a:r>
-            <a:r>
-              <a:rPr lang="pt-BR" sz="2700" dirty="0" smtClean="0"/>
-              <a:t>UMA IMAGEM”</a:t>
-            </a:r>
-            <a:endParaRPr lang="pt-BR" sz="2700" dirty="0" smtClean="0"/>
+              <a:t>“ESPERA, TÔ PROCURANDO UMA IMAGEM”</a:t>
+            </a:r>
           </a:p>
           <a:p>
             <a:endParaRPr lang="pt-BR" sz="2700" dirty="0" smtClean="0"/>
@@ -6692,7 +6687,7 @@
     </p:spTree>
     <p:extLst>
       <p:ext uri="{BB962C8B-B14F-4D97-AF65-F5344CB8AC3E}">
-        <p14:creationId xmlns="" xmlns:p14="http://schemas.microsoft.com/office/powerpoint/2010/main" val="3402371617"/>
+        <p14:creationId xmlns:p14="http://schemas.microsoft.com/office/powerpoint/2010/main" xmlns="" val="3402371617"/>
       </p:ext>
     </p:extLst>
   </p:cSld>
@@ -7011,7 +7006,7 @@
     </p:spTree>
     <p:extLst>
       <p:ext uri="{BB962C8B-B14F-4D97-AF65-F5344CB8AC3E}">
-        <p14:creationId xmlns="" xmlns:p14="http://schemas.microsoft.com/office/powerpoint/2010/main" val="3402371617"/>
+        <p14:creationId xmlns:p14="http://schemas.microsoft.com/office/powerpoint/2010/main" xmlns="" val="3402371617"/>
       </p:ext>
     </p:extLst>
   </p:cSld>
@@ -7704,14 +7699,37 @@
               <a:rPr lang="pt-BR" sz="2700" dirty="0" smtClean="0"/>
               <a:t>CONCORRÊNCIA INDIRETA</a:t>
             </a:r>
-            <a:endParaRPr lang="pt-BR" sz="2700" dirty="0" smtClean="0"/>
-          </a:p>
-        </p:txBody>
-      </p:sp>
+          </a:p>
+        </p:txBody>
+      </p:sp>
+      <p:pic>
+        <p:nvPicPr>
+          <p:cNvPr id="7" name="Imagem 6" descr="Android API market share.png"/>
+          <p:cNvPicPr>
+            <a:picLocks noChangeAspect="1"/>
+          </p:cNvPicPr>
+          <p:nvPr/>
+        </p:nvPicPr>
+        <p:blipFill>
+          <a:blip r:embed="rId3"/>
+          <a:stretch>
+            <a:fillRect/>
+          </a:stretch>
+        </p:blipFill>
+        <p:spPr>
+          <a:xfrm>
+            <a:off x="5715712" y="1585001"/>
+            <a:ext cx="6106174" cy="3719605"/>
+          </a:xfrm>
+          <a:prstGeom prst="rect">
+            <a:avLst/>
+          </a:prstGeom>
+        </p:spPr>
+      </p:pic>
     </p:spTree>
     <p:extLst>
       <p:ext uri="{BB962C8B-B14F-4D97-AF65-F5344CB8AC3E}">
-        <p14:creationId xmlns="" xmlns:p14="http://schemas.microsoft.com/office/powerpoint/2010/main" val="3402371617"/>
+        <p14:creationId xmlns:p14="http://schemas.microsoft.com/office/powerpoint/2010/main" xmlns="" val="3402371617"/>
       </p:ext>
     </p:extLst>
   </p:cSld>
@@ -7851,7 +7869,7 @@
         <p:spPr>
           <a:xfrm>
             <a:off x="566928" y="1664208"/>
-            <a:ext cx="11625072" cy="3416320"/>
+            <a:ext cx="11625072" cy="3000821"/>
           </a:xfrm>
           <a:prstGeom prst="rect">
             <a:avLst/>
@@ -7893,18 +7911,44 @@
           <a:p>
             <a:r>
               <a:rPr lang="pt-BR" sz="2700" dirty="0" smtClean="0"/>
-              <a:t>BAIXO CUSTO INICIAL E DE MANUTENÇÃO</a:t>
-            </a:r>
-          </a:p>
-          <a:p>
+              <a:t>BAIXO </a:t>
+            </a:r>
+            <a:r>
+              <a:rPr lang="pt-BR" sz="2700" dirty="0" smtClean="0"/>
+              <a:t>CUSTO</a:t>
+            </a:r>
             <a:endParaRPr lang="pt-BR" sz="2700" dirty="0" smtClean="0"/>
           </a:p>
         </p:txBody>
       </p:sp>
+      <p:pic>
+        <p:nvPicPr>
+          <p:cNvPr id="9" name="Imagem 8" descr="ALL - Várias Imagens II.png"/>
+          <p:cNvPicPr>
+            <a:picLocks noChangeAspect="1"/>
+          </p:cNvPicPr>
+          <p:nvPr/>
+        </p:nvPicPr>
+        <p:blipFill>
+          <a:blip r:embed="rId3"/>
+          <a:stretch>
+            <a:fillRect/>
+          </a:stretch>
+        </p:blipFill>
+        <p:spPr>
+          <a:xfrm>
+            <a:off x="6871200" y="1580605"/>
+            <a:ext cx="2806744" cy="4989767"/>
+          </a:xfrm>
+          <a:prstGeom prst="rect">
+            <a:avLst/>
+          </a:prstGeom>
+        </p:spPr>
+      </p:pic>
     </p:spTree>
     <p:extLst>
       <p:ext uri="{BB962C8B-B14F-4D97-AF65-F5344CB8AC3E}">
-        <p14:creationId xmlns="" xmlns:p14="http://schemas.microsoft.com/office/powerpoint/2010/main" val="3402371617"/>
+        <p14:creationId xmlns:p14="http://schemas.microsoft.com/office/powerpoint/2010/main" xmlns="" val="3402371617"/>
       </p:ext>
     </p:extLst>
   </p:cSld>
@@ -8079,14 +8123,13 @@
               <a:rPr lang="pt-BR" sz="2700" dirty="0" smtClean="0"/>
               <a:t>PROPAGANDAS E PARCERIAS</a:t>
             </a:r>
-            <a:endParaRPr lang="pt-BR" sz="2700" dirty="0" smtClean="0"/>
           </a:p>
         </p:txBody>
       </p:sp>
     </p:spTree>
     <p:extLst>
       <p:ext uri="{BB962C8B-B14F-4D97-AF65-F5344CB8AC3E}">
-        <p14:creationId xmlns="" xmlns:p14="http://schemas.microsoft.com/office/powerpoint/2010/main" val="3402371617"/>
+        <p14:creationId xmlns:p14="http://schemas.microsoft.com/office/powerpoint/2010/main" xmlns="" val="3402371617"/>
       </p:ext>
     </p:extLst>
   </p:cSld>
@@ -8367,7 +8410,7 @@
   <a:extraClrSchemeLst/>
   <a:extLst>
     <a:ext uri="{05A4C25C-085E-4340-85A3-A5531E510DB2}">
-      <thm15:themeFamily xmlns="" xmlns:thm15="http://schemas.microsoft.com/office/thememl/2012/main" name="Vapor Trail" id="{4FDF2955-7D9C-493C-B9F9-C205151B46CD}" vid="{8F31A783-2159-4870-BC29-2BA7D038EA44}"/>
+      <thm15:themeFamily xmlns:thm15="http://schemas.microsoft.com/office/thememl/2012/main" xmlns="" name="Vapor Trail" id="{4FDF2955-7D9C-493C-B9F9-C205151B46CD}" vid="{8F31A783-2159-4870-BC29-2BA7D038EA44}"/>
     </a:ext>
   </a:extLst>
 </a:theme>

--- a/docs/apresentação tcc.pptx
+++ b/docs/apresentação tcc.pptx
@@ -116,7 +116,7 @@
   </p:defaultTextStyle>
   <p:extLst>
     <p:ext uri="{EFAFB233-063F-42B5-8137-9DF3F51BA10A}">
-      <p15:sldGuideLst xmlns:p15="http://schemas.microsoft.com/office/powerpoint/2012/main" xmlns=""/>
+      <p15:sldGuideLst xmlns="" xmlns:p15="http://schemas.microsoft.com/office/powerpoint/2012/main"/>
     </p:ext>
   </p:extLst>
 </p:presentation>
@@ -151,7 +151,7 @@
           <a:blip r:embed="rId2">
             <a:extLst>
               <a:ext uri="{28A0092B-C50C-407E-A947-70E740481C1C}">
-                <a14:useLocalDpi xmlns:a14="http://schemas.microsoft.com/office/drawing/2010/main" xmlns="" val="0"/>
+                <a14:useLocalDpi xmlns="" xmlns:a14="http://schemas.microsoft.com/office/drawing/2010/main" val="0"/>
               </a:ext>
             </a:extLst>
           </a:blip>
@@ -643,7 +643,7 @@
           <a:blip r:embed="rId2">
             <a:extLst>
               <a:ext uri="{28A0092B-C50C-407E-A947-70E740481C1C}">
-                <a14:useLocalDpi xmlns:a14="http://schemas.microsoft.com/office/drawing/2010/main" xmlns="" val="0"/>
+                <a14:useLocalDpi xmlns="" xmlns:a14="http://schemas.microsoft.com/office/drawing/2010/main" val="0"/>
               </a:ext>
             </a:extLst>
           </a:blip>
@@ -881,7 +881,7 @@
           <a:blip r:embed="rId2">
             <a:extLst>
               <a:ext uri="{28A0092B-C50C-407E-A947-70E740481C1C}">
-                <a14:useLocalDpi xmlns:a14="http://schemas.microsoft.com/office/drawing/2010/main" xmlns="" val="0"/>
+                <a14:useLocalDpi xmlns="" xmlns:a14="http://schemas.microsoft.com/office/drawing/2010/main" val="0"/>
               </a:ext>
             </a:extLst>
           </a:blip>
@@ -1420,7 +1420,7 @@
           <a:blip r:embed="rId2">
             <a:extLst>
               <a:ext uri="{28A0092B-C50C-407E-A947-70E740481C1C}">
-                <a14:useLocalDpi xmlns:a14="http://schemas.microsoft.com/office/drawing/2010/main" xmlns="" val="0"/>
+                <a14:useLocalDpi xmlns="" xmlns:a14="http://schemas.microsoft.com/office/drawing/2010/main" val="0"/>
               </a:ext>
             </a:extLst>
           </a:blip>
@@ -3135,7 +3135,7 @@
           <a:blip r:embed="rId2">
             <a:extLst>
               <a:ext uri="{28A0092B-C50C-407E-A947-70E740481C1C}">
-                <a14:useLocalDpi xmlns:a14="http://schemas.microsoft.com/office/drawing/2010/main" xmlns="" val="0"/>
+                <a14:useLocalDpi xmlns="" xmlns:a14="http://schemas.microsoft.com/office/drawing/2010/main" val="0"/>
               </a:ext>
             </a:extLst>
           </a:blip>
@@ -3532,7 +3532,7 @@
           <a:blip r:embed="rId2">
             <a:extLst>
               <a:ext uri="{28A0092B-C50C-407E-A947-70E740481C1C}">
-                <a14:useLocalDpi xmlns:a14="http://schemas.microsoft.com/office/drawing/2010/main" xmlns="" val="0"/>
+                <a14:useLocalDpi xmlns="" xmlns:a14="http://schemas.microsoft.com/office/drawing/2010/main" val="0"/>
               </a:ext>
             </a:extLst>
           </a:blip>
@@ -5145,7 +5145,7 @@
           <a:blip r:embed="rId19">
             <a:extLst>
               <a:ext uri="{28A0092B-C50C-407E-A947-70E740481C1C}">
-                <a14:useLocalDpi xmlns:a14="http://schemas.microsoft.com/office/drawing/2010/main" xmlns="" val="0"/>
+                <a14:useLocalDpi xmlns="" xmlns:a14="http://schemas.microsoft.com/office/drawing/2010/main" val="0"/>
               </a:ext>
             </a:extLst>
           </a:blip>
@@ -5799,7 +5799,7 @@
     </p:spTree>
     <p:extLst>
       <p:ext uri="{BB962C8B-B14F-4D97-AF65-F5344CB8AC3E}">
-        <p14:creationId xmlns:p14="http://schemas.microsoft.com/office/powerpoint/2010/main" xmlns="" val="3402371617"/>
+        <p14:creationId xmlns="" xmlns:p14="http://schemas.microsoft.com/office/powerpoint/2010/main" val="3402371617"/>
       </p:ext>
     </p:extLst>
   </p:cSld>
@@ -5926,7 +5926,7 @@
     </p:spTree>
     <p:extLst>
       <p:ext uri="{BB962C8B-B14F-4D97-AF65-F5344CB8AC3E}">
-        <p14:creationId xmlns:p14="http://schemas.microsoft.com/office/powerpoint/2010/main" xmlns="" val="3402371617"/>
+        <p14:creationId xmlns="" xmlns:p14="http://schemas.microsoft.com/office/powerpoint/2010/main" val="3402371617"/>
       </p:ext>
     </p:extLst>
   </p:cSld>
@@ -6053,7 +6053,7 @@
     </p:spTree>
     <p:extLst>
       <p:ext uri="{BB962C8B-B14F-4D97-AF65-F5344CB8AC3E}">
-        <p14:creationId xmlns:p14="http://schemas.microsoft.com/office/powerpoint/2010/main" xmlns="" val="3402371617"/>
+        <p14:creationId xmlns="" xmlns:p14="http://schemas.microsoft.com/office/powerpoint/2010/main" val="3402371617"/>
       </p:ext>
     </p:extLst>
   </p:cSld>
@@ -6180,7 +6180,7 @@
     </p:spTree>
     <p:extLst>
       <p:ext uri="{BB962C8B-B14F-4D97-AF65-F5344CB8AC3E}">
-        <p14:creationId xmlns:p14="http://schemas.microsoft.com/office/powerpoint/2010/main" xmlns="" val="3402371617"/>
+        <p14:creationId xmlns="" xmlns:p14="http://schemas.microsoft.com/office/powerpoint/2010/main" val="3402371617"/>
       </p:ext>
     </p:extLst>
   </p:cSld>
@@ -6307,7 +6307,7 @@
     </p:spTree>
     <p:extLst>
       <p:ext uri="{BB962C8B-B14F-4D97-AF65-F5344CB8AC3E}">
-        <p14:creationId xmlns:p14="http://schemas.microsoft.com/office/powerpoint/2010/main" xmlns="" val="3402371617"/>
+        <p14:creationId xmlns="" xmlns:p14="http://schemas.microsoft.com/office/powerpoint/2010/main" val="3402371617"/>
       </p:ext>
     </p:extLst>
   </p:cSld>
@@ -6497,7 +6497,7 @@
     </p:spTree>
     <p:extLst>
       <p:ext uri="{BB962C8B-B14F-4D97-AF65-F5344CB8AC3E}">
-        <p14:creationId xmlns:p14="http://schemas.microsoft.com/office/powerpoint/2010/main" xmlns="" val="3402371617"/>
+        <p14:creationId xmlns="" xmlns:p14="http://schemas.microsoft.com/office/powerpoint/2010/main" val="3402371617"/>
       </p:ext>
     </p:extLst>
   </p:cSld>
@@ -6687,7 +6687,7 @@
     </p:spTree>
     <p:extLst>
       <p:ext uri="{BB962C8B-B14F-4D97-AF65-F5344CB8AC3E}">
-        <p14:creationId xmlns:p14="http://schemas.microsoft.com/office/powerpoint/2010/main" xmlns="" val="3402371617"/>
+        <p14:creationId xmlns="" xmlns:p14="http://schemas.microsoft.com/office/powerpoint/2010/main" val="3402371617"/>
       </p:ext>
     </p:extLst>
   </p:cSld>
@@ -7006,7 +7006,7 @@
     </p:spTree>
     <p:extLst>
       <p:ext uri="{BB962C8B-B14F-4D97-AF65-F5344CB8AC3E}">
-        <p14:creationId xmlns:p14="http://schemas.microsoft.com/office/powerpoint/2010/main" xmlns="" val="3402371617"/>
+        <p14:creationId xmlns="" xmlns:p14="http://schemas.microsoft.com/office/powerpoint/2010/main" val="3402371617"/>
       </p:ext>
     </p:extLst>
   </p:cSld>
@@ -7729,7 +7729,7 @@
     </p:spTree>
     <p:extLst>
       <p:ext uri="{BB962C8B-B14F-4D97-AF65-F5344CB8AC3E}">
-        <p14:creationId xmlns:p14="http://schemas.microsoft.com/office/powerpoint/2010/main" xmlns="" val="3402371617"/>
+        <p14:creationId xmlns="" xmlns:p14="http://schemas.microsoft.com/office/powerpoint/2010/main" val="3402371617"/>
       </p:ext>
     </p:extLst>
   </p:cSld>
@@ -7911,13 +7911,8 @@
           <a:p>
             <a:r>
               <a:rPr lang="pt-BR" sz="2700" dirty="0" smtClean="0"/>
-              <a:t>BAIXO </a:t>
-            </a:r>
-            <a:r>
-              <a:rPr lang="pt-BR" sz="2700" dirty="0" smtClean="0"/>
-              <a:t>CUSTO</a:t>
-            </a:r>
-            <a:endParaRPr lang="pt-BR" sz="2700" dirty="0" smtClean="0"/>
+              <a:t>BAIXO CUSTO</a:t>
+            </a:r>
           </a:p>
         </p:txBody>
       </p:sp>
@@ -7948,7 +7943,7 @@
     </p:spTree>
     <p:extLst>
       <p:ext uri="{BB962C8B-B14F-4D97-AF65-F5344CB8AC3E}">
-        <p14:creationId xmlns:p14="http://schemas.microsoft.com/office/powerpoint/2010/main" xmlns="" val="3402371617"/>
+        <p14:creationId xmlns="" xmlns:p14="http://schemas.microsoft.com/office/powerpoint/2010/main" val="3402371617"/>
       </p:ext>
     </p:extLst>
   </p:cSld>
@@ -8126,10 +8121,34 @@
           </a:p>
         </p:txBody>
       </p:sp>
+      <p:pic>
+        <p:nvPicPr>
+          <p:cNvPr id="7" name="Imagem 6" descr="Pesquisa - Preço.png"/>
+          <p:cNvPicPr>
+            <a:picLocks noChangeAspect="1"/>
+          </p:cNvPicPr>
+          <p:nvPr/>
+        </p:nvPicPr>
+        <p:blipFill>
+          <a:blip r:embed="rId3"/>
+          <a:stretch>
+            <a:fillRect/>
+          </a:stretch>
+        </p:blipFill>
+        <p:spPr>
+          <a:xfrm>
+            <a:off x="3372926" y="3866654"/>
+            <a:ext cx="5974274" cy="2610346"/>
+          </a:xfrm>
+          <a:prstGeom prst="rect">
+            <a:avLst/>
+          </a:prstGeom>
+        </p:spPr>
+      </p:pic>
     </p:spTree>
     <p:extLst>
       <p:ext uri="{BB962C8B-B14F-4D97-AF65-F5344CB8AC3E}">
-        <p14:creationId xmlns:p14="http://schemas.microsoft.com/office/powerpoint/2010/main" xmlns="" val="3402371617"/>
+        <p14:creationId xmlns="" xmlns:p14="http://schemas.microsoft.com/office/powerpoint/2010/main" val="3402371617"/>
       </p:ext>
     </p:extLst>
   </p:cSld>
@@ -8410,7 +8429,7 @@
   <a:extraClrSchemeLst/>
   <a:extLst>
     <a:ext uri="{05A4C25C-085E-4340-85A3-A5531E510DB2}">
-      <thm15:themeFamily xmlns:thm15="http://schemas.microsoft.com/office/thememl/2012/main" xmlns="" name="Vapor Trail" id="{4FDF2955-7D9C-493C-B9F9-C205151B46CD}" vid="{8F31A783-2159-4870-BC29-2BA7D038EA44}"/>
+      <thm15:themeFamily xmlns="" xmlns:thm15="http://schemas.microsoft.com/office/thememl/2012/main" name="Vapor Trail" id="{4FDF2955-7D9C-493C-B9F9-C205151B46CD}" vid="{8F31A783-2159-4870-BC29-2BA7D038EA44}"/>
     </a:ext>
   </a:extLst>
 </a:theme>
